--- a/hw03.pptx
+++ b/hw03.pptx
@@ -4,8 +4,18 @@
   <p:sldMasterIdLst>
     <p:sldMasterId id="2147483648" r:id="rId1"/>
   </p:sldMasterIdLst>
+  <p:notesMasterIdLst>
+    <p:notesMasterId r:id="rId10"/>
+  </p:notesMasterIdLst>
   <p:sldIdLst>
     <p:sldId id="256" r:id="rId2"/>
+    <p:sldId id="257" r:id="rId3"/>
+    <p:sldId id="258" r:id="rId4"/>
+    <p:sldId id="259" r:id="rId5"/>
+    <p:sldId id="260" r:id="rId6"/>
+    <p:sldId id="261" r:id="rId7"/>
+    <p:sldId id="262" r:id="rId8"/>
+    <p:sldId id="263" r:id="rId9"/>
   </p:sldIdLst>
   <p:sldSz cx="12192000" cy="6858000"/>
   <p:notesSz cx="6858000" cy="9144000"/>
@@ -104,7 +114,1114 @@
       </a:defRPr>
     </a:lvl9pPr>
   </p:defaultTextStyle>
+  <p:extLst>
+    <p:ext uri="{EFAFB233-063F-42B5-8137-9DF3F51BA10A}">
+      <p15:sldGuideLst xmlns:p15="http://schemas.microsoft.com/office/powerpoint/2012/main"/>
+    </p:ext>
+  </p:extLst>
 </p:presentation>
+</file>
+
+<file path=ppt/notesMasters/notesMaster1.xml><?xml version="1.0" encoding="utf-8"?>
+<p:notesMaster xmlns:a="http://schemas.openxmlformats.org/drawingml/2006/main" xmlns:r="http://schemas.openxmlformats.org/officeDocument/2006/relationships" xmlns:p="http://schemas.openxmlformats.org/presentationml/2006/main">
+  <p:cSld>
+    <p:bg>
+      <p:bgRef idx="1001">
+        <a:schemeClr val="bg1"/>
+      </p:bgRef>
+    </p:bg>
+    <p:spTree>
+      <p:nvGrpSpPr>
+        <p:cNvPr id="1" name=""/>
+        <p:cNvGrpSpPr/>
+        <p:nvPr/>
+      </p:nvGrpSpPr>
+      <p:grpSpPr>
+        <a:xfrm>
+          <a:off x="0" y="0"/>
+          <a:ext cx="0" cy="0"/>
+          <a:chOff x="0" y="0"/>
+          <a:chExt cx="0" cy="0"/>
+        </a:xfrm>
+      </p:grpSpPr>
+      <p:sp>
+        <p:nvSpPr>
+          <p:cNvPr id="2" name="頁首版面配置區 1"/>
+          <p:cNvSpPr>
+            <a:spLocks noGrp="1"/>
+          </p:cNvSpPr>
+          <p:nvPr>
+            <p:ph type="hdr" sz="quarter"/>
+          </p:nvPr>
+        </p:nvSpPr>
+        <p:spPr>
+          <a:xfrm>
+            <a:off x="0" y="0"/>
+            <a:ext cx="2971800" cy="458788"/>
+          </a:xfrm>
+          <a:prstGeom prst="rect">
+            <a:avLst/>
+          </a:prstGeom>
+        </p:spPr>
+        <p:txBody>
+          <a:bodyPr vert="horz" lIns="91440" tIns="45720" rIns="91440" bIns="45720" rtlCol="0"/>
+          <a:lstStyle>
+            <a:lvl1pPr algn="l">
+              <a:defRPr sz="1200"/>
+            </a:lvl1pPr>
+          </a:lstStyle>
+          <a:p>
+            <a:endParaRPr lang="zh-TW" altLang="en-US"/>
+          </a:p>
+        </p:txBody>
+      </p:sp>
+      <p:sp>
+        <p:nvSpPr>
+          <p:cNvPr id="3" name="日期版面配置區 2"/>
+          <p:cNvSpPr>
+            <a:spLocks noGrp="1"/>
+          </p:cNvSpPr>
+          <p:nvPr>
+            <p:ph type="dt" idx="1"/>
+          </p:nvPr>
+        </p:nvSpPr>
+        <p:spPr>
+          <a:xfrm>
+            <a:off x="3884613" y="0"/>
+            <a:ext cx="2971800" cy="458788"/>
+          </a:xfrm>
+          <a:prstGeom prst="rect">
+            <a:avLst/>
+          </a:prstGeom>
+        </p:spPr>
+        <p:txBody>
+          <a:bodyPr vert="horz" lIns="91440" tIns="45720" rIns="91440" bIns="45720" rtlCol="0"/>
+          <a:lstStyle>
+            <a:lvl1pPr algn="r">
+              <a:defRPr sz="1200"/>
+            </a:lvl1pPr>
+          </a:lstStyle>
+          <a:p>
+            <a:fld id="{2D8A168E-6FC2-4ED6-85FF-385C80FFBCEA}" type="datetimeFigureOut">
+              <a:rPr lang="zh-TW" altLang="en-US" smtClean="0"/>
+              <a:t>2024/10/24</a:t>
+            </a:fld>
+            <a:endParaRPr lang="zh-TW" altLang="en-US"/>
+          </a:p>
+        </p:txBody>
+      </p:sp>
+      <p:sp>
+        <p:nvSpPr>
+          <p:cNvPr id="4" name="投影片影像版面配置區 3"/>
+          <p:cNvSpPr>
+            <a:spLocks noGrp="1" noRot="1" noChangeAspect="1"/>
+          </p:cNvSpPr>
+          <p:nvPr>
+            <p:ph type="sldImg" idx="2"/>
+          </p:nvPr>
+        </p:nvSpPr>
+        <p:spPr>
+          <a:xfrm>
+            <a:off x="685800" y="1143000"/>
+            <a:ext cx="5486400" cy="3086100"/>
+          </a:xfrm>
+          <a:prstGeom prst="rect">
+            <a:avLst/>
+          </a:prstGeom>
+          <a:noFill/>
+          <a:ln w="12700">
+            <a:solidFill>
+              <a:prstClr val="black"/>
+            </a:solidFill>
+          </a:ln>
+        </p:spPr>
+        <p:txBody>
+          <a:bodyPr vert="horz" lIns="91440" tIns="45720" rIns="91440" bIns="45720" rtlCol="0" anchor="ctr"/>
+          <a:lstStyle/>
+          <a:p>
+            <a:endParaRPr lang="zh-TW" altLang="en-US"/>
+          </a:p>
+        </p:txBody>
+      </p:sp>
+      <p:sp>
+        <p:nvSpPr>
+          <p:cNvPr id="5" name="備忘稿版面配置區 4"/>
+          <p:cNvSpPr>
+            <a:spLocks noGrp="1"/>
+          </p:cNvSpPr>
+          <p:nvPr>
+            <p:ph type="body" sz="quarter" idx="3"/>
+          </p:nvPr>
+        </p:nvSpPr>
+        <p:spPr>
+          <a:xfrm>
+            <a:off x="685800" y="4400550"/>
+            <a:ext cx="5486400" cy="3600450"/>
+          </a:xfrm>
+          <a:prstGeom prst="rect">
+            <a:avLst/>
+          </a:prstGeom>
+        </p:spPr>
+        <p:txBody>
+          <a:bodyPr vert="horz" lIns="91440" tIns="45720" rIns="91440" bIns="45720" rtlCol="0"/>
+          <a:lstStyle/>
+          <a:p>
+            <a:pPr lvl="0"/>
+            <a:r>
+              <a:rPr lang="zh-TW" altLang="en-US"/>
+              <a:t>按一下以編輯母片文字樣式</a:t>
+            </a:r>
+          </a:p>
+          <a:p>
+            <a:pPr lvl="1"/>
+            <a:r>
+              <a:rPr lang="zh-TW" altLang="en-US"/>
+              <a:t>第二層</a:t>
+            </a:r>
+          </a:p>
+          <a:p>
+            <a:pPr lvl="2"/>
+            <a:r>
+              <a:rPr lang="zh-TW" altLang="en-US"/>
+              <a:t>第三層</a:t>
+            </a:r>
+          </a:p>
+          <a:p>
+            <a:pPr lvl="3"/>
+            <a:r>
+              <a:rPr lang="zh-TW" altLang="en-US"/>
+              <a:t>第四層</a:t>
+            </a:r>
+          </a:p>
+          <a:p>
+            <a:pPr lvl="4"/>
+            <a:r>
+              <a:rPr lang="zh-TW" altLang="en-US"/>
+              <a:t>第五層</a:t>
+            </a:r>
+          </a:p>
+        </p:txBody>
+      </p:sp>
+      <p:sp>
+        <p:nvSpPr>
+          <p:cNvPr id="6" name="頁尾版面配置區 5"/>
+          <p:cNvSpPr>
+            <a:spLocks noGrp="1"/>
+          </p:cNvSpPr>
+          <p:nvPr>
+            <p:ph type="ftr" sz="quarter" idx="4"/>
+          </p:nvPr>
+        </p:nvSpPr>
+        <p:spPr>
+          <a:xfrm>
+            <a:off x="0" y="8685213"/>
+            <a:ext cx="2971800" cy="458787"/>
+          </a:xfrm>
+          <a:prstGeom prst="rect">
+            <a:avLst/>
+          </a:prstGeom>
+        </p:spPr>
+        <p:txBody>
+          <a:bodyPr vert="horz" lIns="91440" tIns="45720" rIns="91440" bIns="45720" rtlCol="0" anchor="b"/>
+          <a:lstStyle>
+            <a:lvl1pPr algn="l">
+              <a:defRPr sz="1200"/>
+            </a:lvl1pPr>
+          </a:lstStyle>
+          <a:p>
+            <a:endParaRPr lang="zh-TW" altLang="en-US"/>
+          </a:p>
+        </p:txBody>
+      </p:sp>
+      <p:sp>
+        <p:nvSpPr>
+          <p:cNvPr id="7" name="投影片編號版面配置區 6"/>
+          <p:cNvSpPr>
+            <a:spLocks noGrp="1"/>
+          </p:cNvSpPr>
+          <p:nvPr>
+            <p:ph type="sldNum" sz="quarter" idx="5"/>
+          </p:nvPr>
+        </p:nvSpPr>
+        <p:spPr>
+          <a:xfrm>
+            <a:off x="3884613" y="8685213"/>
+            <a:ext cx="2971800" cy="458787"/>
+          </a:xfrm>
+          <a:prstGeom prst="rect">
+            <a:avLst/>
+          </a:prstGeom>
+        </p:spPr>
+        <p:txBody>
+          <a:bodyPr vert="horz" lIns="91440" tIns="45720" rIns="91440" bIns="45720" rtlCol="0" anchor="b"/>
+          <a:lstStyle>
+            <a:lvl1pPr algn="r">
+              <a:defRPr sz="1200"/>
+            </a:lvl1pPr>
+          </a:lstStyle>
+          <a:p>
+            <a:fld id="{EDB8D39C-50A7-45AB-948A-B9518669BCB6}" type="slidenum">
+              <a:rPr lang="zh-TW" altLang="en-US" smtClean="0"/>
+              <a:t>‹#›</a:t>
+            </a:fld>
+            <a:endParaRPr lang="zh-TW" altLang="en-US"/>
+          </a:p>
+        </p:txBody>
+      </p:sp>
+    </p:spTree>
+    <p:extLst>
+      <p:ext uri="{BB962C8B-B14F-4D97-AF65-F5344CB8AC3E}">
+        <p14:creationId xmlns:p14="http://schemas.microsoft.com/office/powerpoint/2010/main" val="3929783919"/>
+      </p:ext>
+    </p:extLst>
+  </p:cSld>
+  <p:clrMap bg1="lt1" tx1="dk1" bg2="lt2" tx2="dk2" accent1="accent1" accent2="accent2" accent3="accent3" accent4="accent4" accent5="accent5" accent6="accent6" hlink="hlink" folHlink="folHlink"/>
+  <p:notesStyle>
+    <a:lvl1pPr marL="0" algn="l" defTabSz="914400" rtl="0" eaLnBrk="1" latinLnBrk="0" hangingPunct="1">
+      <a:defRPr sz="1200" kern="1200">
+        <a:solidFill>
+          <a:schemeClr val="tx1"/>
+        </a:solidFill>
+        <a:latin typeface="+mn-lt"/>
+        <a:ea typeface="+mn-ea"/>
+        <a:cs typeface="+mn-cs"/>
+      </a:defRPr>
+    </a:lvl1pPr>
+    <a:lvl2pPr marL="457200" algn="l" defTabSz="914400" rtl="0" eaLnBrk="1" latinLnBrk="0" hangingPunct="1">
+      <a:defRPr sz="1200" kern="1200">
+        <a:solidFill>
+          <a:schemeClr val="tx1"/>
+        </a:solidFill>
+        <a:latin typeface="+mn-lt"/>
+        <a:ea typeface="+mn-ea"/>
+        <a:cs typeface="+mn-cs"/>
+      </a:defRPr>
+    </a:lvl2pPr>
+    <a:lvl3pPr marL="914400" algn="l" defTabSz="914400" rtl="0" eaLnBrk="1" latinLnBrk="0" hangingPunct="1">
+      <a:defRPr sz="1200" kern="1200">
+        <a:solidFill>
+          <a:schemeClr val="tx1"/>
+        </a:solidFill>
+        <a:latin typeface="+mn-lt"/>
+        <a:ea typeface="+mn-ea"/>
+        <a:cs typeface="+mn-cs"/>
+      </a:defRPr>
+    </a:lvl3pPr>
+    <a:lvl4pPr marL="1371600" algn="l" defTabSz="914400" rtl="0" eaLnBrk="1" latinLnBrk="0" hangingPunct="1">
+      <a:defRPr sz="1200" kern="1200">
+        <a:solidFill>
+          <a:schemeClr val="tx1"/>
+        </a:solidFill>
+        <a:latin typeface="+mn-lt"/>
+        <a:ea typeface="+mn-ea"/>
+        <a:cs typeface="+mn-cs"/>
+      </a:defRPr>
+    </a:lvl4pPr>
+    <a:lvl5pPr marL="1828800" algn="l" defTabSz="914400" rtl="0" eaLnBrk="1" latinLnBrk="0" hangingPunct="1">
+      <a:defRPr sz="1200" kern="1200">
+        <a:solidFill>
+          <a:schemeClr val="tx1"/>
+        </a:solidFill>
+        <a:latin typeface="+mn-lt"/>
+        <a:ea typeface="+mn-ea"/>
+        <a:cs typeface="+mn-cs"/>
+      </a:defRPr>
+    </a:lvl5pPr>
+    <a:lvl6pPr marL="2286000" algn="l" defTabSz="914400" rtl="0" eaLnBrk="1" latinLnBrk="0" hangingPunct="1">
+      <a:defRPr sz="1200" kern="1200">
+        <a:solidFill>
+          <a:schemeClr val="tx1"/>
+        </a:solidFill>
+        <a:latin typeface="+mn-lt"/>
+        <a:ea typeface="+mn-ea"/>
+        <a:cs typeface="+mn-cs"/>
+      </a:defRPr>
+    </a:lvl6pPr>
+    <a:lvl7pPr marL="2743200" algn="l" defTabSz="914400" rtl="0" eaLnBrk="1" latinLnBrk="0" hangingPunct="1">
+      <a:defRPr sz="1200" kern="1200">
+        <a:solidFill>
+          <a:schemeClr val="tx1"/>
+        </a:solidFill>
+        <a:latin typeface="+mn-lt"/>
+        <a:ea typeface="+mn-ea"/>
+        <a:cs typeface="+mn-cs"/>
+      </a:defRPr>
+    </a:lvl7pPr>
+    <a:lvl8pPr marL="3200400" algn="l" defTabSz="914400" rtl="0" eaLnBrk="1" latinLnBrk="0" hangingPunct="1">
+      <a:defRPr sz="1200" kern="1200">
+        <a:solidFill>
+          <a:schemeClr val="tx1"/>
+        </a:solidFill>
+        <a:latin typeface="+mn-lt"/>
+        <a:ea typeface="+mn-ea"/>
+        <a:cs typeface="+mn-cs"/>
+      </a:defRPr>
+    </a:lvl8pPr>
+    <a:lvl9pPr marL="3657600" algn="l" defTabSz="914400" rtl="0" eaLnBrk="1" latinLnBrk="0" hangingPunct="1">
+      <a:defRPr sz="1200" kern="1200">
+        <a:solidFill>
+          <a:schemeClr val="tx1"/>
+        </a:solidFill>
+        <a:latin typeface="+mn-lt"/>
+        <a:ea typeface="+mn-ea"/>
+        <a:cs typeface="+mn-cs"/>
+      </a:defRPr>
+    </a:lvl9pPr>
+  </p:notesStyle>
+</p:notesMaster>
+</file>
+
+<file path=ppt/notesSlides/notesSlide1.xml><?xml version="1.0" encoding="utf-8"?>
+<p:notes xmlns:a="http://schemas.openxmlformats.org/drawingml/2006/main" xmlns:r="http://schemas.openxmlformats.org/officeDocument/2006/relationships" xmlns:p="http://schemas.openxmlformats.org/presentationml/2006/main">
+  <p:cSld>
+    <p:spTree>
+      <p:nvGrpSpPr>
+        <p:cNvPr id="1" name=""/>
+        <p:cNvGrpSpPr/>
+        <p:nvPr/>
+      </p:nvGrpSpPr>
+      <p:grpSpPr>
+        <a:xfrm>
+          <a:off x="0" y="0"/>
+          <a:ext cx="0" cy="0"/>
+          <a:chOff x="0" y="0"/>
+          <a:chExt cx="0" cy="0"/>
+        </a:xfrm>
+      </p:grpSpPr>
+      <p:sp>
+        <p:nvSpPr>
+          <p:cNvPr id="2" name="投影片影像版面配置區 1"/>
+          <p:cNvSpPr>
+            <a:spLocks noGrp="1" noRot="1" noChangeAspect="1"/>
+          </p:cNvSpPr>
+          <p:nvPr>
+            <p:ph type="sldImg"/>
+          </p:nvPr>
+        </p:nvSpPr>
+        <p:spPr/>
+      </p:sp>
+      <p:sp>
+        <p:nvSpPr>
+          <p:cNvPr id="3" name="備忘稿版面配置區 2"/>
+          <p:cNvSpPr>
+            <a:spLocks noGrp="1"/>
+          </p:cNvSpPr>
+          <p:nvPr>
+            <p:ph type="body" idx="1"/>
+          </p:nvPr>
+        </p:nvSpPr>
+        <p:spPr/>
+        <p:txBody>
+          <a:bodyPr/>
+          <a:lstStyle/>
+          <a:p>
+            <a:r>
+              <a:rPr lang="zh-TW" altLang="en-US" dirty="0"/>
+              <a:t>我是一名即將畢業的學生，計劃去畢業旅行，希望在旅行中欣賞著名的景點。</a:t>
+            </a:r>
+          </a:p>
+        </p:txBody>
+      </p:sp>
+      <p:sp>
+        <p:nvSpPr>
+          <p:cNvPr id="4" name="投影片編號版面配置區 3"/>
+          <p:cNvSpPr>
+            <a:spLocks noGrp="1"/>
+          </p:cNvSpPr>
+          <p:nvPr>
+            <p:ph type="sldNum" sz="quarter" idx="5"/>
+          </p:nvPr>
+        </p:nvSpPr>
+        <p:spPr/>
+        <p:txBody>
+          <a:bodyPr/>
+          <a:lstStyle/>
+          <a:p>
+            <a:fld id="{EDB8D39C-50A7-45AB-948A-B9518669BCB6}" type="slidenum">
+              <a:rPr lang="zh-TW" altLang="en-US" smtClean="0"/>
+              <a:t>2</a:t>
+            </a:fld>
+            <a:endParaRPr lang="zh-TW" altLang="en-US"/>
+          </a:p>
+        </p:txBody>
+      </p:sp>
+    </p:spTree>
+    <p:extLst>
+      <p:ext uri="{BB962C8B-B14F-4D97-AF65-F5344CB8AC3E}">
+        <p14:creationId xmlns:p14="http://schemas.microsoft.com/office/powerpoint/2010/main" val="4161839602"/>
+      </p:ext>
+    </p:extLst>
+  </p:cSld>
+  <p:clrMapOvr>
+    <a:masterClrMapping/>
+  </p:clrMapOvr>
+</p:notes>
+</file>
+
+<file path=ppt/notesSlides/notesSlide2.xml><?xml version="1.0" encoding="utf-8"?>
+<p:notes xmlns:a="http://schemas.openxmlformats.org/drawingml/2006/main" xmlns:r="http://schemas.openxmlformats.org/officeDocument/2006/relationships" xmlns:p="http://schemas.openxmlformats.org/presentationml/2006/main">
+  <p:cSld>
+    <p:spTree>
+      <p:nvGrpSpPr>
+        <p:cNvPr id="1" name="">
+          <a:extLst>
+            <a:ext uri="{FF2B5EF4-FFF2-40B4-BE49-F238E27FC236}">
+              <a16:creationId xmlns:a16="http://schemas.microsoft.com/office/drawing/2014/main" id="{B3C2EEFC-296E-B51E-B0E3-83DC09C9EBB2}"/>
+            </a:ext>
+          </a:extLst>
+        </p:cNvPr>
+        <p:cNvGrpSpPr/>
+        <p:nvPr/>
+      </p:nvGrpSpPr>
+      <p:grpSpPr>
+        <a:xfrm>
+          <a:off x="0" y="0"/>
+          <a:ext cx="0" cy="0"/>
+          <a:chOff x="0" y="0"/>
+          <a:chExt cx="0" cy="0"/>
+        </a:xfrm>
+      </p:grpSpPr>
+      <p:sp>
+        <p:nvSpPr>
+          <p:cNvPr id="2" name="投影片影像版面配置區 1">
+            <a:extLst>
+              <a:ext uri="{FF2B5EF4-FFF2-40B4-BE49-F238E27FC236}">
+                <a16:creationId xmlns:a16="http://schemas.microsoft.com/office/drawing/2014/main" id="{EC8FD300-9A16-864A-8666-37447F35F18A}"/>
+              </a:ext>
+            </a:extLst>
+          </p:cNvPr>
+          <p:cNvSpPr>
+            <a:spLocks noGrp="1" noRot="1" noChangeAspect="1"/>
+          </p:cNvSpPr>
+          <p:nvPr>
+            <p:ph type="sldImg"/>
+          </p:nvPr>
+        </p:nvSpPr>
+        <p:spPr/>
+      </p:sp>
+      <p:sp>
+        <p:nvSpPr>
+          <p:cNvPr id="3" name="備忘稿版面配置區 2">
+            <a:extLst>
+              <a:ext uri="{FF2B5EF4-FFF2-40B4-BE49-F238E27FC236}">
+                <a16:creationId xmlns:a16="http://schemas.microsoft.com/office/drawing/2014/main" id="{E61F9477-8B82-D82F-9B25-B0D2FAE60F7D}"/>
+              </a:ext>
+            </a:extLst>
+          </p:cNvPr>
+          <p:cNvSpPr>
+            <a:spLocks noGrp="1"/>
+          </p:cNvSpPr>
+          <p:nvPr>
+            <p:ph type="body" idx="1"/>
+          </p:nvPr>
+        </p:nvSpPr>
+        <p:spPr/>
+        <p:txBody>
+          <a:bodyPr/>
+          <a:lstStyle/>
+          <a:p>
+            <a:r>
+              <a:rPr lang="zh-TW" altLang="en-US" dirty="0"/>
+              <a:t>大家都對這次旅行充滿期待，然而在參觀景點時，我卻不小心迷了路，找不到回到集合點的路。</a:t>
+            </a:r>
+          </a:p>
+        </p:txBody>
+      </p:sp>
+      <p:sp>
+        <p:nvSpPr>
+          <p:cNvPr id="4" name="投影片編號版面配置區 3">
+            <a:extLst>
+              <a:ext uri="{FF2B5EF4-FFF2-40B4-BE49-F238E27FC236}">
+                <a16:creationId xmlns:a16="http://schemas.microsoft.com/office/drawing/2014/main" id="{AC3DF2DD-EB8E-AC69-C9B1-E8576064DC82}"/>
+              </a:ext>
+            </a:extLst>
+          </p:cNvPr>
+          <p:cNvSpPr>
+            <a:spLocks noGrp="1"/>
+          </p:cNvSpPr>
+          <p:nvPr>
+            <p:ph type="sldNum" sz="quarter" idx="5"/>
+          </p:nvPr>
+        </p:nvSpPr>
+        <p:spPr/>
+        <p:txBody>
+          <a:bodyPr/>
+          <a:lstStyle/>
+          <a:p>
+            <a:fld id="{EDB8D39C-50A7-45AB-948A-B9518669BCB6}" type="slidenum">
+              <a:rPr lang="zh-TW" altLang="en-US" smtClean="0"/>
+              <a:t>3</a:t>
+            </a:fld>
+            <a:endParaRPr lang="zh-TW" altLang="en-US"/>
+          </a:p>
+        </p:txBody>
+      </p:sp>
+    </p:spTree>
+    <p:extLst>
+      <p:ext uri="{BB962C8B-B14F-4D97-AF65-F5344CB8AC3E}">
+        <p14:creationId xmlns:p14="http://schemas.microsoft.com/office/powerpoint/2010/main" val="3782125697"/>
+      </p:ext>
+    </p:extLst>
+  </p:cSld>
+  <p:clrMapOvr>
+    <a:masterClrMapping/>
+  </p:clrMapOvr>
+</p:notes>
+</file>
+
+<file path=ppt/notesSlides/notesSlide3.xml><?xml version="1.0" encoding="utf-8"?>
+<p:notes xmlns:a="http://schemas.openxmlformats.org/drawingml/2006/main" xmlns:r="http://schemas.openxmlformats.org/officeDocument/2006/relationships" xmlns:p="http://schemas.openxmlformats.org/presentationml/2006/main">
+  <p:cSld>
+    <p:spTree>
+      <p:nvGrpSpPr>
+        <p:cNvPr id="1" name="">
+          <a:extLst>
+            <a:ext uri="{FF2B5EF4-FFF2-40B4-BE49-F238E27FC236}">
+              <a16:creationId xmlns:a16="http://schemas.microsoft.com/office/drawing/2014/main" id="{57C786BF-0A4E-CC82-7B4F-34E06D435368}"/>
+            </a:ext>
+          </a:extLst>
+        </p:cNvPr>
+        <p:cNvGrpSpPr/>
+        <p:nvPr/>
+      </p:nvGrpSpPr>
+      <p:grpSpPr>
+        <a:xfrm>
+          <a:off x="0" y="0"/>
+          <a:ext cx="0" cy="0"/>
+          <a:chOff x="0" y="0"/>
+          <a:chExt cx="0" cy="0"/>
+        </a:xfrm>
+      </p:grpSpPr>
+      <p:sp>
+        <p:nvSpPr>
+          <p:cNvPr id="2" name="投影片影像版面配置區 1">
+            <a:extLst>
+              <a:ext uri="{FF2B5EF4-FFF2-40B4-BE49-F238E27FC236}">
+                <a16:creationId xmlns:a16="http://schemas.microsoft.com/office/drawing/2014/main" id="{FD4A27D9-6614-8B33-D6BF-900154BD3B5E}"/>
+              </a:ext>
+            </a:extLst>
+          </p:cNvPr>
+          <p:cNvSpPr>
+            <a:spLocks noGrp="1" noRot="1" noChangeAspect="1"/>
+          </p:cNvSpPr>
+          <p:nvPr>
+            <p:ph type="sldImg"/>
+          </p:nvPr>
+        </p:nvSpPr>
+        <p:spPr/>
+      </p:sp>
+      <p:sp>
+        <p:nvSpPr>
+          <p:cNvPr id="3" name="備忘稿版面配置區 2">
+            <a:extLst>
+              <a:ext uri="{FF2B5EF4-FFF2-40B4-BE49-F238E27FC236}">
+                <a16:creationId xmlns:a16="http://schemas.microsoft.com/office/drawing/2014/main" id="{BAEF1D83-A783-2A3F-9B2A-F1758ED14CF8}"/>
+              </a:ext>
+            </a:extLst>
+          </p:cNvPr>
+          <p:cNvSpPr>
+            <a:spLocks noGrp="1"/>
+          </p:cNvSpPr>
+          <p:nvPr>
+            <p:ph type="body" idx="1"/>
+          </p:nvPr>
+        </p:nvSpPr>
+        <p:spPr/>
+        <p:txBody>
+          <a:bodyPr/>
+          <a:lstStyle/>
+          <a:p>
+            <a:r>
+              <a:rPr lang="zh-TW" altLang="en-US" dirty="0"/>
+              <a:t>我試圖使用地圖和手機導航，並且詢問路人，希望能找到我的組員會合。</a:t>
+            </a:r>
+          </a:p>
+        </p:txBody>
+      </p:sp>
+      <p:sp>
+        <p:nvSpPr>
+          <p:cNvPr id="4" name="投影片編號版面配置區 3">
+            <a:extLst>
+              <a:ext uri="{FF2B5EF4-FFF2-40B4-BE49-F238E27FC236}">
+                <a16:creationId xmlns:a16="http://schemas.microsoft.com/office/drawing/2014/main" id="{93B749C8-85EF-EE3D-6E61-3E6745F538BC}"/>
+              </a:ext>
+            </a:extLst>
+          </p:cNvPr>
+          <p:cNvSpPr>
+            <a:spLocks noGrp="1"/>
+          </p:cNvSpPr>
+          <p:nvPr>
+            <p:ph type="sldNum" sz="quarter" idx="5"/>
+          </p:nvPr>
+        </p:nvSpPr>
+        <p:spPr/>
+        <p:txBody>
+          <a:bodyPr/>
+          <a:lstStyle/>
+          <a:p>
+            <a:fld id="{EDB8D39C-50A7-45AB-948A-B9518669BCB6}" type="slidenum">
+              <a:rPr lang="zh-TW" altLang="en-US" smtClean="0"/>
+              <a:t>4</a:t>
+            </a:fld>
+            <a:endParaRPr lang="zh-TW" altLang="en-US"/>
+          </a:p>
+        </p:txBody>
+      </p:sp>
+    </p:spTree>
+    <p:extLst>
+      <p:ext uri="{BB962C8B-B14F-4D97-AF65-F5344CB8AC3E}">
+        <p14:creationId xmlns:p14="http://schemas.microsoft.com/office/powerpoint/2010/main" val="3040079899"/>
+      </p:ext>
+    </p:extLst>
+  </p:cSld>
+  <p:clrMapOvr>
+    <a:masterClrMapping/>
+  </p:clrMapOvr>
+</p:notes>
+</file>
+
+<file path=ppt/notesSlides/notesSlide4.xml><?xml version="1.0" encoding="utf-8"?>
+<p:notes xmlns:a="http://schemas.openxmlformats.org/drawingml/2006/main" xmlns:r="http://schemas.openxmlformats.org/officeDocument/2006/relationships" xmlns:p="http://schemas.openxmlformats.org/presentationml/2006/main">
+  <p:cSld>
+    <p:spTree>
+      <p:nvGrpSpPr>
+        <p:cNvPr id="1" name="">
+          <a:extLst>
+            <a:ext uri="{FF2B5EF4-FFF2-40B4-BE49-F238E27FC236}">
+              <a16:creationId xmlns:a16="http://schemas.microsoft.com/office/drawing/2014/main" id="{681E144B-E661-DF3F-239E-BEA47F8A5FAC}"/>
+            </a:ext>
+          </a:extLst>
+        </p:cNvPr>
+        <p:cNvGrpSpPr/>
+        <p:nvPr/>
+      </p:nvGrpSpPr>
+      <p:grpSpPr>
+        <a:xfrm>
+          <a:off x="0" y="0"/>
+          <a:ext cx="0" cy="0"/>
+          <a:chOff x="0" y="0"/>
+          <a:chExt cx="0" cy="0"/>
+        </a:xfrm>
+      </p:grpSpPr>
+      <p:sp>
+        <p:nvSpPr>
+          <p:cNvPr id="2" name="投影片影像版面配置區 1">
+            <a:extLst>
+              <a:ext uri="{FF2B5EF4-FFF2-40B4-BE49-F238E27FC236}">
+                <a16:creationId xmlns:a16="http://schemas.microsoft.com/office/drawing/2014/main" id="{02E84CEC-0136-00F4-3429-BC41127BE55F}"/>
+              </a:ext>
+            </a:extLst>
+          </p:cNvPr>
+          <p:cNvSpPr>
+            <a:spLocks noGrp="1" noRot="1" noChangeAspect="1"/>
+          </p:cNvSpPr>
+          <p:nvPr>
+            <p:ph type="sldImg"/>
+          </p:nvPr>
+        </p:nvSpPr>
+        <p:spPr/>
+      </p:sp>
+      <p:sp>
+        <p:nvSpPr>
+          <p:cNvPr id="3" name="備忘稿版面配置區 2">
+            <a:extLst>
+              <a:ext uri="{FF2B5EF4-FFF2-40B4-BE49-F238E27FC236}">
+                <a16:creationId xmlns:a16="http://schemas.microsoft.com/office/drawing/2014/main" id="{EA876D08-29DD-8F01-B651-65C056E01CDC}"/>
+              </a:ext>
+            </a:extLst>
+          </p:cNvPr>
+          <p:cNvSpPr>
+            <a:spLocks noGrp="1"/>
+          </p:cNvSpPr>
+          <p:nvPr>
+            <p:ph type="body" idx="1"/>
+          </p:nvPr>
+        </p:nvSpPr>
+        <p:spPr/>
+        <p:txBody>
+          <a:bodyPr/>
+          <a:lstStyle/>
+          <a:p>
+            <a:r>
+              <a:rPr lang="zh-TW" altLang="en-US" dirty="0"/>
+              <a:t>終於，我成功找到了我的組員，大家再次集合在一起，準備繼續旅行的行程。</a:t>
+            </a:r>
+          </a:p>
+        </p:txBody>
+      </p:sp>
+      <p:sp>
+        <p:nvSpPr>
+          <p:cNvPr id="4" name="投影片編號版面配置區 3">
+            <a:extLst>
+              <a:ext uri="{FF2B5EF4-FFF2-40B4-BE49-F238E27FC236}">
+                <a16:creationId xmlns:a16="http://schemas.microsoft.com/office/drawing/2014/main" id="{1D4D8219-684F-D419-859B-A9E63040278F}"/>
+              </a:ext>
+            </a:extLst>
+          </p:cNvPr>
+          <p:cNvSpPr>
+            <a:spLocks noGrp="1"/>
+          </p:cNvSpPr>
+          <p:nvPr>
+            <p:ph type="sldNum" sz="quarter" idx="5"/>
+          </p:nvPr>
+        </p:nvSpPr>
+        <p:spPr/>
+        <p:txBody>
+          <a:bodyPr/>
+          <a:lstStyle/>
+          <a:p>
+            <a:fld id="{EDB8D39C-50A7-45AB-948A-B9518669BCB6}" type="slidenum">
+              <a:rPr lang="zh-TW" altLang="en-US" smtClean="0"/>
+              <a:t>5</a:t>
+            </a:fld>
+            <a:endParaRPr lang="zh-TW" altLang="en-US"/>
+          </a:p>
+        </p:txBody>
+      </p:sp>
+    </p:spTree>
+    <p:extLst>
+      <p:ext uri="{BB962C8B-B14F-4D97-AF65-F5344CB8AC3E}">
+        <p14:creationId xmlns:p14="http://schemas.microsoft.com/office/powerpoint/2010/main" val="1217955411"/>
+      </p:ext>
+    </p:extLst>
+  </p:cSld>
+  <p:clrMapOvr>
+    <a:masterClrMapping/>
+  </p:clrMapOvr>
+</p:notes>
+</file>
+
+<file path=ppt/notesSlides/notesSlide5.xml><?xml version="1.0" encoding="utf-8"?>
+<p:notes xmlns:a="http://schemas.openxmlformats.org/drawingml/2006/main" xmlns:r="http://schemas.openxmlformats.org/officeDocument/2006/relationships" xmlns:p="http://schemas.openxmlformats.org/presentationml/2006/main">
+  <p:cSld>
+    <p:spTree>
+      <p:nvGrpSpPr>
+        <p:cNvPr id="1" name="">
+          <a:extLst>
+            <a:ext uri="{FF2B5EF4-FFF2-40B4-BE49-F238E27FC236}">
+              <a16:creationId xmlns:a16="http://schemas.microsoft.com/office/drawing/2014/main" id="{71B53AD0-C7F6-A517-52A6-3941DC571959}"/>
+            </a:ext>
+          </a:extLst>
+        </p:cNvPr>
+        <p:cNvGrpSpPr/>
+        <p:nvPr/>
+      </p:nvGrpSpPr>
+      <p:grpSpPr>
+        <a:xfrm>
+          <a:off x="0" y="0"/>
+          <a:ext cx="0" cy="0"/>
+          <a:chOff x="0" y="0"/>
+          <a:chExt cx="0" cy="0"/>
+        </a:xfrm>
+      </p:grpSpPr>
+      <p:sp>
+        <p:nvSpPr>
+          <p:cNvPr id="2" name="投影片影像版面配置區 1">
+            <a:extLst>
+              <a:ext uri="{FF2B5EF4-FFF2-40B4-BE49-F238E27FC236}">
+                <a16:creationId xmlns:a16="http://schemas.microsoft.com/office/drawing/2014/main" id="{0A3BE173-9A47-4669-18C6-3B41C75DA46C}"/>
+              </a:ext>
+            </a:extLst>
+          </p:cNvPr>
+          <p:cNvSpPr>
+            <a:spLocks noGrp="1" noRot="1" noChangeAspect="1"/>
+          </p:cNvSpPr>
+          <p:nvPr>
+            <p:ph type="sldImg"/>
+          </p:nvPr>
+        </p:nvSpPr>
+        <p:spPr/>
+      </p:sp>
+      <p:sp>
+        <p:nvSpPr>
+          <p:cNvPr id="3" name="備忘稿版面配置區 2">
+            <a:extLst>
+              <a:ext uri="{FF2B5EF4-FFF2-40B4-BE49-F238E27FC236}">
+                <a16:creationId xmlns:a16="http://schemas.microsoft.com/office/drawing/2014/main" id="{FFDB5AF4-2F8B-5855-B0A0-F8337D9B4EAB}"/>
+              </a:ext>
+            </a:extLst>
+          </p:cNvPr>
+          <p:cNvSpPr>
+            <a:spLocks noGrp="1"/>
+          </p:cNvSpPr>
+          <p:nvPr>
+            <p:ph type="body" idx="1"/>
+          </p:nvPr>
+        </p:nvSpPr>
+        <p:spPr/>
+        <p:txBody>
+          <a:bodyPr/>
+          <a:lstStyle/>
+          <a:p>
+            <a:r>
+              <a:rPr lang="zh-TW" altLang="en-US" dirty="0"/>
+              <a:t>然而，因為之前迷路浪費了太多時間，我們沒有足夠的時間去參觀著名的景點了。</a:t>
+            </a:r>
+          </a:p>
+        </p:txBody>
+      </p:sp>
+      <p:sp>
+        <p:nvSpPr>
+          <p:cNvPr id="4" name="投影片編號版面配置區 3">
+            <a:extLst>
+              <a:ext uri="{FF2B5EF4-FFF2-40B4-BE49-F238E27FC236}">
+                <a16:creationId xmlns:a16="http://schemas.microsoft.com/office/drawing/2014/main" id="{0AAE3AFC-0CB2-66E7-EE1F-B036D04C6190}"/>
+              </a:ext>
+            </a:extLst>
+          </p:cNvPr>
+          <p:cNvSpPr>
+            <a:spLocks noGrp="1"/>
+          </p:cNvSpPr>
+          <p:nvPr>
+            <p:ph type="sldNum" sz="quarter" idx="5"/>
+          </p:nvPr>
+        </p:nvSpPr>
+        <p:spPr/>
+        <p:txBody>
+          <a:bodyPr/>
+          <a:lstStyle/>
+          <a:p>
+            <a:fld id="{EDB8D39C-50A7-45AB-948A-B9518669BCB6}" type="slidenum">
+              <a:rPr lang="zh-TW" altLang="en-US" smtClean="0"/>
+              <a:t>6</a:t>
+            </a:fld>
+            <a:endParaRPr lang="zh-TW" altLang="en-US"/>
+          </a:p>
+        </p:txBody>
+      </p:sp>
+    </p:spTree>
+    <p:extLst>
+      <p:ext uri="{BB962C8B-B14F-4D97-AF65-F5344CB8AC3E}">
+        <p14:creationId xmlns:p14="http://schemas.microsoft.com/office/powerpoint/2010/main" val="2773123178"/>
+      </p:ext>
+    </p:extLst>
+  </p:cSld>
+  <p:clrMapOvr>
+    <a:masterClrMapping/>
+  </p:clrMapOvr>
+</p:notes>
+</file>
+
+<file path=ppt/notesSlides/notesSlide6.xml><?xml version="1.0" encoding="utf-8"?>
+<p:notes xmlns:a="http://schemas.openxmlformats.org/drawingml/2006/main" xmlns:r="http://schemas.openxmlformats.org/officeDocument/2006/relationships" xmlns:p="http://schemas.openxmlformats.org/presentationml/2006/main">
+  <p:cSld>
+    <p:spTree>
+      <p:nvGrpSpPr>
+        <p:cNvPr id="1" name="">
+          <a:extLst>
+            <a:ext uri="{FF2B5EF4-FFF2-40B4-BE49-F238E27FC236}">
+              <a16:creationId xmlns:a16="http://schemas.microsoft.com/office/drawing/2014/main" id="{A5623C09-2553-B272-24CD-4EE8AFBC307C}"/>
+            </a:ext>
+          </a:extLst>
+        </p:cNvPr>
+        <p:cNvGrpSpPr/>
+        <p:nvPr/>
+      </p:nvGrpSpPr>
+      <p:grpSpPr>
+        <a:xfrm>
+          <a:off x="0" y="0"/>
+          <a:ext cx="0" cy="0"/>
+          <a:chOff x="0" y="0"/>
+          <a:chExt cx="0" cy="0"/>
+        </a:xfrm>
+      </p:grpSpPr>
+      <p:sp>
+        <p:nvSpPr>
+          <p:cNvPr id="2" name="投影片影像版面配置區 1">
+            <a:extLst>
+              <a:ext uri="{FF2B5EF4-FFF2-40B4-BE49-F238E27FC236}">
+                <a16:creationId xmlns:a16="http://schemas.microsoft.com/office/drawing/2014/main" id="{90A440FD-5BBD-A44C-0D3A-1EA93D5DDAF9}"/>
+              </a:ext>
+            </a:extLst>
+          </p:cNvPr>
+          <p:cNvSpPr>
+            <a:spLocks noGrp="1" noRot="1" noChangeAspect="1"/>
+          </p:cNvSpPr>
+          <p:nvPr>
+            <p:ph type="sldImg"/>
+          </p:nvPr>
+        </p:nvSpPr>
+        <p:spPr/>
+      </p:sp>
+      <p:sp>
+        <p:nvSpPr>
+          <p:cNvPr id="3" name="備忘稿版面配置區 2">
+            <a:extLst>
+              <a:ext uri="{FF2B5EF4-FFF2-40B4-BE49-F238E27FC236}">
+                <a16:creationId xmlns:a16="http://schemas.microsoft.com/office/drawing/2014/main" id="{33FBE545-51CC-EB0C-7D34-A44E7FA353BC}"/>
+              </a:ext>
+            </a:extLst>
+          </p:cNvPr>
+          <p:cNvSpPr>
+            <a:spLocks noGrp="1"/>
+          </p:cNvSpPr>
+          <p:nvPr>
+            <p:ph type="body" idx="1"/>
+          </p:nvPr>
+        </p:nvSpPr>
+        <p:spPr/>
+        <p:txBody>
+          <a:bodyPr/>
+          <a:lstStyle/>
+          <a:p>
+            <a:r>
+              <a:rPr lang="zh-TW" altLang="en-US" dirty="0"/>
+              <a:t>在回程的路上，我們搭乘的遊覽車意外經過了原本想看的景點，雖然沒能親自參觀，但大家都很開心能看到它的美麗景色。</a:t>
+            </a:r>
+          </a:p>
+        </p:txBody>
+      </p:sp>
+      <p:sp>
+        <p:nvSpPr>
+          <p:cNvPr id="4" name="投影片編號版面配置區 3">
+            <a:extLst>
+              <a:ext uri="{FF2B5EF4-FFF2-40B4-BE49-F238E27FC236}">
+                <a16:creationId xmlns:a16="http://schemas.microsoft.com/office/drawing/2014/main" id="{1312C0DC-D122-7BDF-DCE2-805BB65E2E1A}"/>
+              </a:ext>
+            </a:extLst>
+          </p:cNvPr>
+          <p:cNvSpPr>
+            <a:spLocks noGrp="1"/>
+          </p:cNvSpPr>
+          <p:nvPr>
+            <p:ph type="sldNum" sz="quarter" idx="5"/>
+          </p:nvPr>
+        </p:nvSpPr>
+        <p:spPr/>
+        <p:txBody>
+          <a:bodyPr/>
+          <a:lstStyle/>
+          <a:p>
+            <a:fld id="{EDB8D39C-50A7-45AB-948A-B9518669BCB6}" type="slidenum">
+              <a:rPr lang="zh-TW" altLang="en-US" smtClean="0"/>
+              <a:t>7</a:t>
+            </a:fld>
+            <a:endParaRPr lang="zh-TW" altLang="en-US"/>
+          </a:p>
+        </p:txBody>
+      </p:sp>
+    </p:spTree>
+    <p:extLst>
+      <p:ext uri="{BB962C8B-B14F-4D97-AF65-F5344CB8AC3E}">
+        <p14:creationId xmlns:p14="http://schemas.microsoft.com/office/powerpoint/2010/main" val="3683439878"/>
+      </p:ext>
+    </p:extLst>
+  </p:cSld>
+  <p:clrMapOvr>
+    <a:masterClrMapping/>
+  </p:clrMapOvr>
+</p:notes>
+</file>
+
+<file path=ppt/notesSlides/notesSlide7.xml><?xml version="1.0" encoding="utf-8"?>
+<p:notes xmlns:a="http://schemas.openxmlformats.org/drawingml/2006/main" xmlns:r="http://schemas.openxmlformats.org/officeDocument/2006/relationships" xmlns:p="http://schemas.openxmlformats.org/presentationml/2006/main">
+  <p:cSld>
+    <p:spTree>
+      <p:nvGrpSpPr>
+        <p:cNvPr id="1" name="">
+          <a:extLst>
+            <a:ext uri="{FF2B5EF4-FFF2-40B4-BE49-F238E27FC236}">
+              <a16:creationId xmlns:a16="http://schemas.microsoft.com/office/drawing/2014/main" id="{09F891DF-99CE-BFCE-159F-31CF77C38FBD}"/>
+            </a:ext>
+          </a:extLst>
+        </p:cNvPr>
+        <p:cNvGrpSpPr/>
+        <p:nvPr/>
+      </p:nvGrpSpPr>
+      <p:grpSpPr>
+        <a:xfrm>
+          <a:off x="0" y="0"/>
+          <a:ext cx="0" cy="0"/>
+          <a:chOff x="0" y="0"/>
+          <a:chExt cx="0" cy="0"/>
+        </a:xfrm>
+      </p:grpSpPr>
+      <p:sp>
+        <p:nvSpPr>
+          <p:cNvPr id="2" name="投影片影像版面配置區 1">
+            <a:extLst>
+              <a:ext uri="{FF2B5EF4-FFF2-40B4-BE49-F238E27FC236}">
+                <a16:creationId xmlns:a16="http://schemas.microsoft.com/office/drawing/2014/main" id="{DC7A088D-024A-65DD-635F-7BDF19F86094}"/>
+              </a:ext>
+            </a:extLst>
+          </p:cNvPr>
+          <p:cNvSpPr>
+            <a:spLocks noGrp="1" noRot="1" noChangeAspect="1"/>
+          </p:cNvSpPr>
+          <p:nvPr>
+            <p:ph type="sldImg"/>
+          </p:nvPr>
+        </p:nvSpPr>
+        <p:spPr/>
+      </p:sp>
+      <p:sp>
+        <p:nvSpPr>
+          <p:cNvPr id="3" name="備忘稿版面配置區 2">
+            <a:extLst>
+              <a:ext uri="{FF2B5EF4-FFF2-40B4-BE49-F238E27FC236}">
+                <a16:creationId xmlns:a16="http://schemas.microsoft.com/office/drawing/2014/main" id="{23C7CDA1-6A4E-C4A0-C837-868CF3822ACB}"/>
+              </a:ext>
+            </a:extLst>
+          </p:cNvPr>
+          <p:cNvSpPr>
+            <a:spLocks noGrp="1"/>
+          </p:cNvSpPr>
+          <p:nvPr>
+            <p:ph type="body" idx="1"/>
+          </p:nvPr>
+        </p:nvSpPr>
+        <p:spPr/>
+        <p:txBody>
+          <a:bodyPr/>
+          <a:lstStyle/>
+          <a:p>
+            <a:r>
+              <a:rPr lang="zh-TW" altLang="en-US" dirty="0"/>
+              <a:t>最後，我們快樂地回到學校，稍作休息後，重新回歸日常生活。這次畢業旅行雖然有些波折，但留下了難忘的回憶。</a:t>
+            </a:r>
+          </a:p>
+        </p:txBody>
+      </p:sp>
+      <p:sp>
+        <p:nvSpPr>
+          <p:cNvPr id="4" name="投影片編號版面配置區 3">
+            <a:extLst>
+              <a:ext uri="{FF2B5EF4-FFF2-40B4-BE49-F238E27FC236}">
+                <a16:creationId xmlns:a16="http://schemas.microsoft.com/office/drawing/2014/main" id="{B46B57F0-1C07-6DAA-4879-E6B7DC0F3A3D}"/>
+              </a:ext>
+            </a:extLst>
+          </p:cNvPr>
+          <p:cNvSpPr>
+            <a:spLocks noGrp="1"/>
+          </p:cNvSpPr>
+          <p:nvPr>
+            <p:ph type="sldNum" sz="quarter" idx="5"/>
+          </p:nvPr>
+        </p:nvSpPr>
+        <p:spPr/>
+        <p:txBody>
+          <a:bodyPr/>
+          <a:lstStyle/>
+          <a:p>
+            <a:fld id="{EDB8D39C-50A7-45AB-948A-B9518669BCB6}" type="slidenum">
+              <a:rPr lang="zh-TW" altLang="en-US" smtClean="0"/>
+              <a:t>8</a:t>
+            </a:fld>
+            <a:endParaRPr lang="zh-TW" altLang="en-US"/>
+          </a:p>
+        </p:txBody>
+      </p:sp>
+    </p:spTree>
+    <p:extLst>
+      <p:ext uri="{BB962C8B-B14F-4D97-AF65-F5344CB8AC3E}">
+        <p14:creationId xmlns:p14="http://schemas.microsoft.com/office/powerpoint/2010/main" val="2813116818"/>
+      </p:ext>
+    </p:extLst>
+  </p:cSld>
+  <p:clrMapOvr>
+    <a:masterClrMapping/>
+  </p:clrMapOvr>
+</p:notes>
 </file>
 
 <file path=ppt/slideLayouts/slideLayout1.xml><?xml version="1.0" encoding="utf-8"?>
@@ -129,7 +1246,7 @@
           <p:cNvPr id="2" name="標題 1">
             <a:extLst>
               <a:ext uri="{FF2B5EF4-FFF2-40B4-BE49-F238E27FC236}">
-                <a16:creationId xmlns:a16="http://schemas.microsoft.com/office/drawing/2014/main" id="{EB5CC918-B447-434E-B98E-5847BB49C259}"/>
+                <a16:creationId xmlns:a16="http://schemas.microsoft.com/office/drawing/2014/main" id="{4FD50340-078E-2D72-34C2-AC714B27E780}"/>
               </a:ext>
             </a:extLst>
           </p:cNvPr>
@@ -166,7 +1283,7 @@
           <p:cNvPr id="3" name="副標題 2">
             <a:extLst>
               <a:ext uri="{FF2B5EF4-FFF2-40B4-BE49-F238E27FC236}">
-                <a16:creationId xmlns:a16="http://schemas.microsoft.com/office/drawing/2014/main" id="{817FCC70-CC4E-4CB6-B2CF-9FDA5AC4D346}"/>
+                <a16:creationId xmlns:a16="http://schemas.microsoft.com/office/drawing/2014/main" id="{A762F1F5-9901-C386-E4E6-991BEAC5591A}"/>
               </a:ext>
             </a:extLst>
           </p:cNvPr>
@@ -236,7 +1353,7 @@
           <p:cNvPr id="4" name="日期版面配置區 3">
             <a:extLst>
               <a:ext uri="{FF2B5EF4-FFF2-40B4-BE49-F238E27FC236}">
-                <a16:creationId xmlns:a16="http://schemas.microsoft.com/office/drawing/2014/main" id="{BD08F018-0004-4322-AD0F-E6E740964233}"/>
+                <a16:creationId xmlns:a16="http://schemas.microsoft.com/office/drawing/2014/main" id="{E16158A2-D466-E645-F8CA-340A260C8F75}"/>
               </a:ext>
             </a:extLst>
           </p:cNvPr>
@@ -252,9 +1369,9 @@
           <a:bodyPr/>
           <a:lstStyle/>
           <a:p>
-            <a:fld id="{C3C90D7E-32D6-4894-AE08-7BBB3E610FC9}" type="datetimeFigureOut">
+            <a:fld id="{F0F22117-FC0C-4609-B28F-97217F98EFDA}" type="datetimeFigureOut">
               <a:rPr lang="zh-TW" altLang="en-US" smtClean="0"/>
-              <a:t>2024/9/16</a:t>
+              <a:t>2024/10/24</a:t>
             </a:fld>
             <a:endParaRPr lang="zh-TW" altLang="en-US"/>
           </a:p>
@@ -265,7 +1382,7 @@
           <p:cNvPr id="5" name="頁尾版面配置區 4">
             <a:extLst>
               <a:ext uri="{FF2B5EF4-FFF2-40B4-BE49-F238E27FC236}">
-                <a16:creationId xmlns:a16="http://schemas.microsoft.com/office/drawing/2014/main" id="{30427B34-CB13-41C7-B2F2-CED9BDC5B595}"/>
+                <a16:creationId xmlns:a16="http://schemas.microsoft.com/office/drawing/2014/main" id="{CDA512A0-2649-B571-4A64-1759C6DAD6D7}"/>
               </a:ext>
             </a:extLst>
           </p:cNvPr>
@@ -290,7 +1407,7 @@
           <p:cNvPr id="6" name="投影片編號版面配置區 5">
             <a:extLst>
               <a:ext uri="{FF2B5EF4-FFF2-40B4-BE49-F238E27FC236}">
-                <a16:creationId xmlns:a16="http://schemas.microsoft.com/office/drawing/2014/main" id="{76FA962E-5B03-439A-928C-87366876542D}"/>
+                <a16:creationId xmlns:a16="http://schemas.microsoft.com/office/drawing/2014/main" id="{9EE7831A-BA73-427C-7E5E-30A29E2EF449}"/>
               </a:ext>
             </a:extLst>
           </p:cNvPr>
@@ -306,7 +1423,7 @@
           <a:bodyPr/>
           <a:lstStyle/>
           <a:p>
-            <a:fld id="{E31EC408-072F-4346-BD0A-D6AA5788A305}" type="slidenum">
+            <a:fld id="{ECF6DE48-CF47-4C03-901E-876B1D126FF9}" type="slidenum">
               <a:rPr lang="zh-TW" altLang="en-US" smtClean="0"/>
               <a:t>‹#›</a:t>
             </a:fld>
@@ -317,7 +1434,7 @@
     </p:spTree>
     <p:extLst>
       <p:ext uri="{BB962C8B-B14F-4D97-AF65-F5344CB8AC3E}">
-        <p14:creationId xmlns:p14="http://schemas.microsoft.com/office/powerpoint/2010/main" val="2963035110"/>
+        <p14:creationId xmlns:p14="http://schemas.microsoft.com/office/powerpoint/2010/main" val="680524185"/>
       </p:ext>
     </p:extLst>
   </p:cSld>
@@ -349,7 +1466,7 @@
           <p:cNvPr id="2" name="標題 1">
             <a:extLst>
               <a:ext uri="{FF2B5EF4-FFF2-40B4-BE49-F238E27FC236}">
-                <a16:creationId xmlns:a16="http://schemas.microsoft.com/office/drawing/2014/main" id="{A02F0018-7F8E-4206-A929-07CDC6B5F34A}"/>
+                <a16:creationId xmlns:a16="http://schemas.microsoft.com/office/drawing/2014/main" id="{D06F2E59-5E08-601D-619D-AD412B2092B9}"/>
               </a:ext>
             </a:extLst>
           </p:cNvPr>
@@ -377,7 +1494,7 @@
           <p:cNvPr id="3" name="直排文字版面配置區 2">
             <a:extLst>
               <a:ext uri="{FF2B5EF4-FFF2-40B4-BE49-F238E27FC236}">
-                <a16:creationId xmlns:a16="http://schemas.microsoft.com/office/drawing/2014/main" id="{9B801E88-34C3-4545-A358-81F5614FED64}"/>
+                <a16:creationId xmlns:a16="http://schemas.microsoft.com/office/drawing/2014/main" id="{9D3005D8-2090-753E-276A-DDD4B41504F6}"/>
               </a:ext>
             </a:extLst>
           </p:cNvPr>
@@ -434,7 +1551,7 @@
           <p:cNvPr id="4" name="日期版面配置區 3">
             <a:extLst>
               <a:ext uri="{FF2B5EF4-FFF2-40B4-BE49-F238E27FC236}">
-                <a16:creationId xmlns:a16="http://schemas.microsoft.com/office/drawing/2014/main" id="{60AFD716-8B99-4230-B55F-C8B88ECBB171}"/>
+                <a16:creationId xmlns:a16="http://schemas.microsoft.com/office/drawing/2014/main" id="{97F95710-3D48-D908-A338-760128D13751}"/>
               </a:ext>
             </a:extLst>
           </p:cNvPr>
@@ -450,9 +1567,9 @@
           <a:bodyPr/>
           <a:lstStyle/>
           <a:p>
-            <a:fld id="{C3C90D7E-32D6-4894-AE08-7BBB3E610FC9}" type="datetimeFigureOut">
+            <a:fld id="{F0F22117-FC0C-4609-B28F-97217F98EFDA}" type="datetimeFigureOut">
               <a:rPr lang="zh-TW" altLang="en-US" smtClean="0"/>
-              <a:t>2024/9/16</a:t>
+              <a:t>2024/10/24</a:t>
             </a:fld>
             <a:endParaRPr lang="zh-TW" altLang="en-US"/>
           </a:p>
@@ -463,7 +1580,7 @@
           <p:cNvPr id="5" name="頁尾版面配置區 4">
             <a:extLst>
               <a:ext uri="{FF2B5EF4-FFF2-40B4-BE49-F238E27FC236}">
-                <a16:creationId xmlns:a16="http://schemas.microsoft.com/office/drawing/2014/main" id="{EA374743-76D9-4BF8-A60C-2F50B2636A8A}"/>
+                <a16:creationId xmlns:a16="http://schemas.microsoft.com/office/drawing/2014/main" id="{2BAF9E62-3985-B171-F4EF-EF45BFE079CF}"/>
               </a:ext>
             </a:extLst>
           </p:cNvPr>
@@ -488,7 +1605,7 @@
           <p:cNvPr id="6" name="投影片編號版面配置區 5">
             <a:extLst>
               <a:ext uri="{FF2B5EF4-FFF2-40B4-BE49-F238E27FC236}">
-                <a16:creationId xmlns:a16="http://schemas.microsoft.com/office/drawing/2014/main" id="{00454594-6C11-4013-A666-A151E960EC9B}"/>
+                <a16:creationId xmlns:a16="http://schemas.microsoft.com/office/drawing/2014/main" id="{3783033A-D6DE-B3D5-AE60-4BC3E4F30DE6}"/>
               </a:ext>
             </a:extLst>
           </p:cNvPr>
@@ -504,7 +1621,7 @@
           <a:bodyPr/>
           <a:lstStyle/>
           <a:p>
-            <a:fld id="{E31EC408-072F-4346-BD0A-D6AA5788A305}" type="slidenum">
+            <a:fld id="{ECF6DE48-CF47-4C03-901E-876B1D126FF9}" type="slidenum">
               <a:rPr lang="zh-TW" altLang="en-US" smtClean="0"/>
               <a:t>‹#›</a:t>
             </a:fld>
@@ -515,7 +1632,7 @@
     </p:spTree>
     <p:extLst>
       <p:ext uri="{BB962C8B-B14F-4D97-AF65-F5344CB8AC3E}">
-        <p14:creationId xmlns:p14="http://schemas.microsoft.com/office/powerpoint/2010/main" val="188953001"/>
+        <p14:creationId xmlns:p14="http://schemas.microsoft.com/office/powerpoint/2010/main" val="23677091"/>
       </p:ext>
     </p:extLst>
   </p:cSld>
@@ -547,7 +1664,7 @@
           <p:cNvPr id="2" name="直排標題 1">
             <a:extLst>
               <a:ext uri="{FF2B5EF4-FFF2-40B4-BE49-F238E27FC236}">
-                <a16:creationId xmlns:a16="http://schemas.microsoft.com/office/drawing/2014/main" id="{70F760AC-E708-4605-85E2-7D0F424B3E29}"/>
+                <a16:creationId xmlns:a16="http://schemas.microsoft.com/office/drawing/2014/main" id="{B517C6DE-30D7-8FAF-DD6D-74F6398C699F}"/>
               </a:ext>
             </a:extLst>
           </p:cNvPr>
@@ -580,7 +1697,7 @@
           <p:cNvPr id="3" name="直排文字版面配置區 2">
             <a:extLst>
               <a:ext uri="{FF2B5EF4-FFF2-40B4-BE49-F238E27FC236}">
-                <a16:creationId xmlns:a16="http://schemas.microsoft.com/office/drawing/2014/main" id="{84BECF48-F3B6-4D47-82A8-C6AE92EDC2F0}"/>
+                <a16:creationId xmlns:a16="http://schemas.microsoft.com/office/drawing/2014/main" id="{D3D4E6F7-15F6-7361-8E24-13FB7EF27947}"/>
               </a:ext>
             </a:extLst>
           </p:cNvPr>
@@ -642,7 +1759,7 @@
           <p:cNvPr id="4" name="日期版面配置區 3">
             <a:extLst>
               <a:ext uri="{FF2B5EF4-FFF2-40B4-BE49-F238E27FC236}">
-                <a16:creationId xmlns:a16="http://schemas.microsoft.com/office/drawing/2014/main" id="{215DE52A-093E-4116-A2FE-F61BA999B89F}"/>
+                <a16:creationId xmlns:a16="http://schemas.microsoft.com/office/drawing/2014/main" id="{E621D3B6-C8E5-CE39-26FE-E1F5B52B0492}"/>
               </a:ext>
             </a:extLst>
           </p:cNvPr>
@@ -658,9 +1775,9 @@
           <a:bodyPr/>
           <a:lstStyle/>
           <a:p>
-            <a:fld id="{C3C90D7E-32D6-4894-AE08-7BBB3E610FC9}" type="datetimeFigureOut">
+            <a:fld id="{F0F22117-FC0C-4609-B28F-97217F98EFDA}" type="datetimeFigureOut">
               <a:rPr lang="zh-TW" altLang="en-US" smtClean="0"/>
-              <a:t>2024/9/16</a:t>
+              <a:t>2024/10/24</a:t>
             </a:fld>
             <a:endParaRPr lang="zh-TW" altLang="en-US"/>
           </a:p>
@@ -671,7 +1788,7 @@
           <p:cNvPr id="5" name="頁尾版面配置區 4">
             <a:extLst>
               <a:ext uri="{FF2B5EF4-FFF2-40B4-BE49-F238E27FC236}">
-                <a16:creationId xmlns:a16="http://schemas.microsoft.com/office/drawing/2014/main" id="{34553FE1-A5D9-4070-AA9C-378F491D4677}"/>
+                <a16:creationId xmlns:a16="http://schemas.microsoft.com/office/drawing/2014/main" id="{4B0F4374-3F9C-92CA-9BA6-EBEFBD582BEE}"/>
               </a:ext>
             </a:extLst>
           </p:cNvPr>
@@ -696,7 +1813,7 @@
           <p:cNvPr id="6" name="投影片編號版面配置區 5">
             <a:extLst>
               <a:ext uri="{FF2B5EF4-FFF2-40B4-BE49-F238E27FC236}">
-                <a16:creationId xmlns:a16="http://schemas.microsoft.com/office/drawing/2014/main" id="{928EFDDC-5B11-4543-8144-518625EDA57F}"/>
+                <a16:creationId xmlns:a16="http://schemas.microsoft.com/office/drawing/2014/main" id="{58A9D4D8-E1AA-9A0B-2F92-744006AAD040}"/>
               </a:ext>
             </a:extLst>
           </p:cNvPr>
@@ -712,7 +1829,7 @@
           <a:bodyPr/>
           <a:lstStyle/>
           <a:p>
-            <a:fld id="{E31EC408-072F-4346-BD0A-D6AA5788A305}" type="slidenum">
+            <a:fld id="{ECF6DE48-CF47-4C03-901E-876B1D126FF9}" type="slidenum">
               <a:rPr lang="zh-TW" altLang="en-US" smtClean="0"/>
               <a:t>‹#›</a:t>
             </a:fld>
@@ -723,7 +1840,7 @@
     </p:spTree>
     <p:extLst>
       <p:ext uri="{BB962C8B-B14F-4D97-AF65-F5344CB8AC3E}">
-        <p14:creationId xmlns:p14="http://schemas.microsoft.com/office/powerpoint/2010/main" val="2483123943"/>
+        <p14:creationId xmlns:p14="http://schemas.microsoft.com/office/powerpoint/2010/main" val="863112650"/>
       </p:ext>
     </p:extLst>
   </p:cSld>
@@ -755,7 +1872,7 @@
           <p:cNvPr id="2" name="標題 1">
             <a:extLst>
               <a:ext uri="{FF2B5EF4-FFF2-40B4-BE49-F238E27FC236}">
-                <a16:creationId xmlns:a16="http://schemas.microsoft.com/office/drawing/2014/main" id="{A1BFCF4C-FB58-444C-B754-A594851E4C7B}"/>
+                <a16:creationId xmlns:a16="http://schemas.microsoft.com/office/drawing/2014/main" id="{980E4EE2-3E00-75B3-8A4B-EE85013DD4F2}"/>
               </a:ext>
             </a:extLst>
           </p:cNvPr>
@@ -783,7 +1900,7 @@
           <p:cNvPr id="3" name="內容版面配置區 2">
             <a:extLst>
               <a:ext uri="{FF2B5EF4-FFF2-40B4-BE49-F238E27FC236}">
-                <a16:creationId xmlns:a16="http://schemas.microsoft.com/office/drawing/2014/main" id="{987C475D-648F-4511-A6FE-04B04F755F93}"/>
+                <a16:creationId xmlns:a16="http://schemas.microsoft.com/office/drawing/2014/main" id="{F0A3FBA7-B413-BAA0-DC96-C3D19180D2DA}"/>
               </a:ext>
             </a:extLst>
           </p:cNvPr>
@@ -840,7 +1957,7 @@
           <p:cNvPr id="4" name="日期版面配置區 3">
             <a:extLst>
               <a:ext uri="{FF2B5EF4-FFF2-40B4-BE49-F238E27FC236}">
-                <a16:creationId xmlns:a16="http://schemas.microsoft.com/office/drawing/2014/main" id="{F511FCF8-D8F7-4914-920F-D63F2D97F713}"/>
+                <a16:creationId xmlns:a16="http://schemas.microsoft.com/office/drawing/2014/main" id="{2CDCDE64-4362-5095-13C5-4EF57EF1CD6C}"/>
               </a:ext>
             </a:extLst>
           </p:cNvPr>
@@ -856,9 +1973,9 @@
           <a:bodyPr/>
           <a:lstStyle/>
           <a:p>
-            <a:fld id="{C3C90D7E-32D6-4894-AE08-7BBB3E610FC9}" type="datetimeFigureOut">
+            <a:fld id="{F0F22117-FC0C-4609-B28F-97217F98EFDA}" type="datetimeFigureOut">
               <a:rPr lang="zh-TW" altLang="en-US" smtClean="0"/>
-              <a:t>2024/9/16</a:t>
+              <a:t>2024/10/24</a:t>
             </a:fld>
             <a:endParaRPr lang="zh-TW" altLang="en-US"/>
           </a:p>
@@ -869,7 +1986,7 @@
           <p:cNvPr id="5" name="頁尾版面配置區 4">
             <a:extLst>
               <a:ext uri="{FF2B5EF4-FFF2-40B4-BE49-F238E27FC236}">
-                <a16:creationId xmlns:a16="http://schemas.microsoft.com/office/drawing/2014/main" id="{7E1D3E8F-338D-4B4D-B411-5282866FF95D}"/>
+                <a16:creationId xmlns:a16="http://schemas.microsoft.com/office/drawing/2014/main" id="{AE939477-ACF6-08C1-B0CB-177F524B053A}"/>
               </a:ext>
             </a:extLst>
           </p:cNvPr>
@@ -894,7 +2011,7 @@
           <p:cNvPr id="6" name="投影片編號版面配置區 5">
             <a:extLst>
               <a:ext uri="{FF2B5EF4-FFF2-40B4-BE49-F238E27FC236}">
-                <a16:creationId xmlns:a16="http://schemas.microsoft.com/office/drawing/2014/main" id="{F7DF3AD5-06B6-42D8-AEDF-66CCE6582524}"/>
+                <a16:creationId xmlns:a16="http://schemas.microsoft.com/office/drawing/2014/main" id="{74AEA97E-7E5D-9AB0-7FC9-2CE89C0F9127}"/>
               </a:ext>
             </a:extLst>
           </p:cNvPr>
@@ -910,7 +2027,7 @@
           <a:bodyPr/>
           <a:lstStyle/>
           <a:p>
-            <a:fld id="{E31EC408-072F-4346-BD0A-D6AA5788A305}" type="slidenum">
+            <a:fld id="{ECF6DE48-CF47-4C03-901E-876B1D126FF9}" type="slidenum">
               <a:rPr lang="zh-TW" altLang="en-US" smtClean="0"/>
               <a:t>‹#›</a:t>
             </a:fld>
@@ -921,7 +2038,7 @@
     </p:spTree>
     <p:extLst>
       <p:ext uri="{BB962C8B-B14F-4D97-AF65-F5344CB8AC3E}">
-        <p14:creationId xmlns:p14="http://schemas.microsoft.com/office/powerpoint/2010/main" val="4198509733"/>
+        <p14:creationId xmlns:p14="http://schemas.microsoft.com/office/powerpoint/2010/main" val="2516691212"/>
       </p:ext>
     </p:extLst>
   </p:cSld>
@@ -953,7 +2070,7 @@
           <p:cNvPr id="2" name="標題 1">
             <a:extLst>
               <a:ext uri="{FF2B5EF4-FFF2-40B4-BE49-F238E27FC236}">
-                <a16:creationId xmlns:a16="http://schemas.microsoft.com/office/drawing/2014/main" id="{5986B870-2B24-4658-9AEB-3C92E8E40B41}"/>
+                <a16:creationId xmlns:a16="http://schemas.microsoft.com/office/drawing/2014/main" id="{579C5D1D-80AE-A29E-2FDE-94A0DB17EFE5}"/>
               </a:ext>
             </a:extLst>
           </p:cNvPr>
@@ -990,7 +2107,7 @@
           <p:cNvPr id="3" name="文字版面配置區 2">
             <a:extLst>
               <a:ext uri="{FF2B5EF4-FFF2-40B4-BE49-F238E27FC236}">
-                <a16:creationId xmlns:a16="http://schemas.microsoft.com/office/drawing/2014/main" id="{90235018-E757-4630-8511-F466B919268F}"/>
+                <a16:creationId xmlns:a16="http://schemas.microsoft.com/office/drawing/2014/main" id="{AFA66C83-FDD5-9CDE-99B3-249403E6B084}"/>
               </a:ext>
             </a:extLst>
           </p:cNvPr>
@@ -1115,7 +2232,7 @@
           <p:cNvPr id="4" name="日期版面配置區 3">
             <a:extLst>
               <a:ext uri="{FF2B5EF4-FFF2-40B4-BE49-F238E27FC236}">
-                <a16:creationId xmlns:a16="http://schemas.microsoft.com/office/drawing/2014/main" id="{37546C76-CF19-433D-9070-0A54A149F1B2}"/>
+                <a16:creationId xmlns:a16="http://schemas.microsoft.com/office/drawing/2014/main" id="{2E8C6259-A554-9FF0-5523-8048DF970693}"/>
               </a:ext>
             </a:extLst>
           </p:cNvPr>
@@ -1131,9 +2248,9 @@
           <a:bodyPr/>
           <a:lstStyle/>
           <a:p>
-            <a:fld id="{C3C90D7E-32D6-4894-AE08-7BBB3E610FC9}" type="datetimeFigureOut">
+            <a:fld id="{F0F22117-FC0C-4609-B28F-97217F98EFDA}" type="datetimeFigureOut">
               <a:rPr lang="zh-TW" altLang="en-US" smtClean="0"/>
-              <a:t>2024/9/16</a:t>
+              <a:t>2024/10/24</a:t>
             </a:fld>
             <a:endParaRPr lang="zh-TW" altLang="en-US"/>
           </a:p>
@@ -1144,7 +2261,7 @@
           <p:cNvPr id="5" name="頁尾版面配置區 4">
             <a:extLst>
               <a:ext uri="{FF2B5EF4-FFF2-40B4-BE49-F238E27FC236}">
-                <a16:creationId xmlns:a16="http://schemas.microsoft.com/office/drawing/2014/main" id="{9C9DC25F-827C-4564-AD0E-7FD815D53AF7}"/>
+                <a16:creationId xmlns:a16="http://schemas.microsoft.com/office/drawing/2014/main" id="{774155AB-7123-0368-7142-38EA172D63A6}"/>
               </a:ext>
             </a:extLst>
           </p:cNvPr>
@@ -1169,7 +2286,7 @@
           <p:cNvPr id="6" name="投影片編號版面配置區 5">
             <a:extLst>
               <a:ext uri="{FF2B5EF4-FFF2-40B4-BE49-F238E27FC236}">
-                <a16:creationId xmlns:a16="http://schemas.microsoft.com/office/drawing/2014/main" id="{8C0653A6-68AA-4213-8D62-EAF9243D6998}"/>
+                <a16:creationId xmlns:a16="http://schemas.microsoft.com/office/drawing/2014/main" id="{BD29E328-EF90-82DA-D18A-B14BD22106CE}"/>
               </a:ext>
             </a:extLst>
           </p:cNvPr>
@@ -1185,7 +2302,7 @@
           <a:bodyPr/>
           <a:lstStyle/>
           <a:p>
-            <a:fld id="{E31EC408-072F-4346-BD0A-D6AA5788A305}" type="slidenum">
+            <a:fld id="{ECF6DE48-CF47-4C03-901E-876B1D126FF9}" type="slidenum">
               <a:rPr lang="zh-TW" altLang="en-US" smtClean="0"/>
               <a:t>‹#›</a:t>
             </a:fld>
@@ -1196,7 +2313,7 @@
     </p:spTree>
     <p:extLst>
       <p:ext uri="{BB962C8B-B14F-4D97-AF65-F5344CB8AC3E}">
-        <p14:creationId xmlns:p14="http://schemas.microsoft.com/office/powerpoint/2010/main" val="3126775509"/>
+        <p14:creationId xmlns:p14="http://schemas.microsoft.com/office/powerpoint/2010/main" val="2502813040"/>
       </p:ext>
     </p:extLst>
   </p:cSld>
@@ -1228,7 +2345,7 @@
           <p:cNvPr id="2" name="標題 1">
             <a:extLst>
               <a:ext uri="{FF2B5EF4-FFF2-40B4-BE49-F238E27FC236}">
-                <a16:creationId xmlns:a16="http://schemas.microsoft.com/office/drawing/2014/main" id="{F8A74D77-9E6E-4FD1-97AD-0ADC1228B6AF}"/>
+                <a16:creationId xmlns:a16="http://schemas.microsoft.com/office/drawing/2014/main" id="{2B0CC73D-05F6-0A7A-A8B4-D6DCD01689EB}"/>
               </a:ext>
             </a:extLst>
           </p:cNvPr>
@@ -1256,7 +2373,7 @@
           <p:cNvPr id="3" name="內容版面配置區 2">
             <a:extLst>
               <a:ext uri="{FF2B5EF4-FFF2-40B4-BE49-F238E27FC236}">
-                <a16:creationId xmlns:a16="http://schemas.microsoft.com/office/drawing/2014/main" id="{9FDE4E9B-689C-4373-B281-9636BE211982}"/>
+                <a16:creationId xmlns:a16="http://schemas.microsoft.com/office/drawing/2014/main" id="{30088D9D-D33A-E449-577A-4D8A6BEA43F5}"/>
               </a:ext>
             </a:extLst>
           </p:cNvPr>
@@ -1318,7 +2435,7 @@
           <p:cNvPr id="4" name="內容版面配置區 3">
             <a:extLst>
               <a:ext uri="{FF2B5EF4-FFF2-40B4-BE49-F238E27FC236}">
-                <a16:creationId xmlns:a16="http://schemas.microsoft.com/office/drawing/2014/main" id="{CD25EC10-0BDA-4ECA-AB8E-059AC3378E22}"/>
+                <a16:creationId xmlns:a16="http://schemas.microsoft.com/office/drawing/2014/main" id="{8EDA7FF1-DDA1-00BD-25EA-609FC393269B}"/>
               </a:ext>
             </a:extLst>
           </p:cNvPr>
@@ -1380,7 +2497,7 @@
           <p:cNvPr id="5" name="日期版面配置區 4">
             <a:extLst>
               <a:ext uri="{FF2B5EF4-FFF2-40B4-BE49-F238E27FC236}">
-                <a16:creationId xmlns:a16="http://schemas.microsoft.com/office/drawing/2014/main" id="{63DAF127-0983-4C38-869C-C0A513FA9147}"/>
+                <a16:creationId xmlns:a16="http://schemas.microsoft.com/office/drawing/2014/main" id="{42817E7E-0E87-469B-0DCF-EA27AB882C34}"/>
               </a:ext>
             </a:extLst>
           </p:cNvPr>
@@ -1396,9 +2513,9 @@
           <a:bodyPr/>
           <a:lstStyle/>
           <a:p>
-            <a:fld id="{C3C90D7E-32D6-4894-AE08-7BBB3E610FC9}" type="datetimeFigureOut">
+            <a:fld id="{F0F22117-FC0C-4609-B28F-97217F98EFDA}" type="datetimeFigureOut">
               <a:rPr lang="zh-TW" altLang="en-US" smtClean="0"/>
-              <a:t>2024/9/16</a:t>
+              <a:t>2024/10/24</a:t>
             </a:fld>
             <a:endParaRPr lang="zh-TW" altLang="en-US"/>
           </a:p>
@@ -1409,7 +2526,7 @@
           <p:cNvPr id="6" name="頁尾版面配置區 5">
             <a:extLst>
               <a:ext uri="{FF2B5EF4-FFF2-40B4-BE49-F238E27FC236}">
-                <a16:creationId xmlns:a16="http://schemas.microsoft.com/office/drawing/2014/main" id="{E014CBA6-CCE3-4CF4-8E13-D895EDBD8F25}"/>
+                <a16:creationId xmlns:a16="http://schemas.microsoft.com/office/drawing/2014/main" id="{7C074E3E-FFA3-8707-8E20-BA3CC110A7B1}"/>
               </a:ext>
             </a:extLst>
           </p:cNvPr>
@@ -1434,7 +2551,7 @@
           <p:cNvPr id="7" name="投影片編號版面配置區 6">
             <a:extLst>
               <a:ext uri="{FF2B5EF4-FFF2-40B4-BE49-F238E27FC236}">
-                <a16:creationId xmlns:a16="http://schemas.microsoft.com/office/drawing/2014/main" id="{5CEAA8E5-79B3-445E-B8C3-29BD56CE6D7A}"/>
+                <a16:creationId xmlns:a16="http://schemas.microsoft.com/office/drawing/2014/main" id="{63ACE5A4-D979-8D2F-CF80-60D1E7EA7652}"/>
               </a:ext>
             </a:extLst>
           </p:cNvPr>
@@ -1450,7 +2567,7 @@
           <a:bodyPr/>
           <a:lstStyle/>
           <a:p>
-            <a:fld id="{E31EC408-072F-4346-BD0A-D6AA5788A305}" type="slidenum">
+            <a:fld id="{ECF6DE48-CF47-4C03-901E-876B1D126FF9}" type="slidenum">
               <a:rPr lang="zh-TW" altLang="en-US" smtClean="0"/>
               <a:t>‹#›</a:t>
             </a:fld>
@@ -1461,7 +2578,7 @@
     </p:spTree>
     <p:extLst>
       <p:ext uri="{BB962C8B-B14F-4D97-AF65-F5344CB8AC3E}">
-        <p14:creationId xmlns:p14="http://schemas.microsoft.com/office/powerpoint/2010/main" val="3858213488"/>
+        <p14:creationId xmlns:p14="http://schemas.microsoft.com/office/powerpoint/2010/main" val="3519270282"/>
       </p:ext>
     </p:extLst>
   </p:cSld>
@@ -1493,7 +2610,7 @@
           <p:cNvPr id="2" name="標題 1">
             <a:extLst>
               <a:ext uri="{FF2B5EF4-FFF2-40B4-BE49-F238E27FC236}">
-                <a16:creationId xmlns:a16="http://schemas.microsoft.com/office/drawing/2014/main" id="{A00F76B6-8DEC-4A74-A06A-BA0146321CD8}"/>
+                <a16:creationId xmlns:a16="http://schemas.microsoft.com/office/drawing/2014/main" id="{960F9F23-6B59-3C4F-7A58-7C0EF639B697}"/>
               </a:ext>
             </a:extLst>
           </p:cNvPr>
@@ -1526,7 +2643,7 @@
           <p:cNvPr id="3" name="文字版面配置區 2">
             <a:extLst>
               <a:ext uri="{FF2B5EF4-FFF2-40B4-BE49-F238E27FC236}">
-                <a16:creationId xmlns:a16="http://schemas.microsoft.com/office/drawing/2014/main" id="{EF00F5C5-99A7-4F16-855A-F170362659F7}"/>
+                <a16:creationId xmlns:a16="http://schemas.microsoft.com/office/drawing/2014/main" id="{4BC28FFD-6F27-39EF-1447-910577466B12}"/>
               </a:ext>
             </a:extLst>
           </p:cNvPr>
@@ -1597,7 +2714,7 @@
           <p:cNvPr id="4" name="內容版面配置區 3">
             <a:extLst>
               <a:ext uri="{FF2B5EF4-FFF2-40B4-BE49-F238E27FC236}">
-                <a16:creationId xmlns:a16="http://schemas.microsoft.com/office/drawing/2014/main" id="{6722BEB2-C9B4-4C14-8234-D17E84349984}"/>
+                <a16:creationId xmlns:a16="http://schemas.microsoft.com/office/drawing/2014/main" id="{5C196D99-BAC7-C9F0-8C4B-58FFE97195FB}"/>
               </a:ext>
             </a:extLst>
           </p:cNvPr>
@@ -1659,7 +2776,7 @@
           <p:cNvPr id="5" name="文字版面配置區 4">
             <a:extLst>
               <a:ext uri="{FF2B5EF4-FFF2-40B4-BE49-F238E27FC236}">
-                <a16:creationId xmlns:a16="http://schemas.microsoft.com/office/drawing/2014/main" id="{E4A41162-A0AC-4211-940F-4B92208F9B0E}"/>
+                <a16:creationId xmlns:a16="http://schemas.microsoft.com/office/drawing/2014/main" id="{ADA13C68-A3AB-283F-9EC9-CEAFB3C9B8D0}"/>
               </a:ext>
             </a:extLst>
           </p:cNvPr>
@@ -1730,7 +2847,7 @@
           <p:cNvPr id="6" name="內容版面配置區 5">
             <a:extLst>
               <a:ext uri="{FF2B5EF4-FFF2-40B4-BE49-F238E27FC236}">
-                <a16:creationId xmlns:a16="http://schemas.microsoft.com/office/drawing/2014/main" id="{E8EA159A-F9D7-4F58-A7C3-6E5B65E42266}"/>
+                <a16:creationId xmlns:a16="http://schemas.microsoft.com/office/drawing/2014/main" id="{E853E08A-7E2D-2791-F581-03733E29EBC7}"/>
               </a:ext>
             </a:extLst>
           </p:cNvPr>
@@ -1792,7 +2909,7 @@
           <p:cNvPr id="7" name="日期版面配置區 6">
             <a:extLst>
               <a:ext uri="{FF2B5EF4-FFF2-40B4-BE49-F238E27FC236}">
-                <a16:creationId xmlns:a16="http://schemas.microsoft.com/office/drawing/2014/main" id="{AE973E80-9141-48B7-A9D7-605A4541768F}"/>
+                <a16:creationId xmlns:a16="http://schemas.microsoft.com/office/drawing/2014/main" id="{B32B92D7-59C9-4F35-9F2D-259F3FF5D58D}"/>
               </a:ext>
             </a:extLst>
           </p:cNvPr>
@@ -1808,9 +2925,9 @@
           <a:bodyPr/>
           <a:lstStyle/>
           <a:p>
-            <a:fld id="{C3C90D7E-32D6-4894-AE08-7BBB3E610FC9}" type="datetimeFigureOut">
+            <a:fld id="{F0F22117-FC0C-4609-B28F-97217F98EFDA}" type="datetimeFigureOut">
               <a:rPr lang="zh-TW" altLang="en-US" smtClean="0"/>
-              <a:t>2024/9/16</a:t>
+              <a:t>2024/10/24</a:t>
             </a:fld>
             <a:endParaRPr lang="zh-TW" altLang="en-US"/>
           </a:p>
@@ -1821,7 +2938,7 @@
           <p:cNvPr id="8" name="頁尾版面配置區 7">
             <a:extLst>
               <a:ext uri="{FF2B5EF4-FFF2-40B4-BE49-F238E27FC236}">
-                <a16:creationId xmlns:a16="http://schemas.microsoft.com/office/drawing/2014/main" id="{6520B07A-79F8-43E7-8013-632DD2AED223}"/>
+                <a16:creationId xmlns:a16="http://schemas.microsoft.com/office/drawing/2014/main" id="{55E56D8C-859F-ABD0-83AB-4DE8AEF3E739}"/>
               </a:ext>
             </a:extLst>
           </p:cNvPr>
@@ -1846,7 +2963,7 @@
           <p:cNvPr id="9" name="投影片編號版面配置區 8">
             <a:extLst>
               <a:ext uri="{FF2B5EF4-FFF2-40B4-BE49-F238E27FC236}">
-                <a16:creationId xmlns:a16="http://schemas.microsoft.com/office/drawing/2014/main" id="{3B997D8F-4F1C-4DE6-A82C-3E0C38ACAE96}"/>
+                <a16:creationId xmlns:a16="http://schemas.microsoft.com/office/drawing/2014/main" id="{CC3E26ED-74F1-4E13-17B5-62219D34530B}"/>
               </a:ext>
             </a:extLst>
           </p:cNvPr>
@@ -1862,7 +2979,7 @@
           <a:bodyPr/>
           <a:lstStyle/>
           <a:p>
-            <a:fld id="{E31EC408-072F-4346-BD0A-D6AA5788A305}" type="slidenum">
+            <a:fld id="{ECF6DE48-CF47-4C03-901E-876B1D126FF9}" type="slidenum">
               <a:rPr lang="zh-TW" altLang="en-US" smtClean="0"/>
               <a:t>‹#›</a:t>
             </a:fld>
@@ -1873,7 +2990,7 @@
     </p:spTree>
     <p:extLst>
       <p:ext uri="{BB962C8B-B14F-4D97-AF65-F5344CB8AC3E}">
-        <p14:creationId xmlns:p14="http://schemas.microsoft.com/office/powerpoint/2010/main" val="3379995638"/>
+        <p14:creationId xmlns:p14="http://schemas.microsoft.com/office/powerpoint/2010/main" val="1692436859"/>
       </p:ext>
     </p:extLst>
   </p:cSld>
@@ -1905,7 +3022,7 @@
           <p:cNvPr id="2" name="標題 1">
             <a:extLst>
               <a:ext uri="{FF2B5EF4-FFF2-40B4-BE49-F238E27FC236}">
-                <a16:creationId xmlns:a16="http://schemas.microsoft.com/office/drawing/2014/main" id="{6CE04611-FD10-429D-89AA-73C259B64293}"/>
+                <a16:creationId xmlns:a16="http://schemas.microsoft.com/office/drawing/2014/main" id="{337B5444-ADB4-A891-CA40-C14302DEE300}"/>
               </a:ext>
             </a:extLst>
           </p:cNvPr>
@@ -1933,7 +3050,7 @@
           <p:cNvPr id="3" name="日期版面配置區 2">
             <a:extLst>
               <a:ext uri="{FF2B5EF4-FFF2-40B4-BE49-F238E27FC236}">
-                <a16:creationId xmlns:a16="http://schemas.microsoft.com/office/drawing/2014/main" id="{2D9009F3-A280-4DA8-ACC4-187DE2172BCA}"/>
+                <a16:creationId xmlns:a16="http://schemas.microsoft.com/office/drawing/2014/main" id="{FC02FA87-69E1-1D65-BD5F-8F0652835639}"/>
               </a:ext>
             </a:extLst>
           </p:cNvPr>
@@ -1949,9 +3066,9 @@
           <a:bodyPr/>
           <a:lstStyle/>
           <a:p>
-            <a:fld id="{C3C90D7E-32D6-4894-AE08-7BBB3E610FC9}" type="datetimeFigureOut">
+            <a:fld id="{F0F22117-FC0C-4609-B28F-97217F98EFDA}" type="datetimeFigureOut">
               <a:rPr lang="zh-TW" altLang="en-US" smtClean="0"/>
-              <a:t>2024/9/16</a:t>
+              <a:t>2024/10/24</a:t>
             </a:fld>
             <a:endParaRPr lang="zh-TW" altLang="en-US"/>
           </a:p>
@@ -1962,7 +3079,7 @@
           <p:cNvPr id="4" name="頁尾版面配置區 3">
             <a:extLst>
               <a:ext uri="{FF2B5EF4-FFF2-40B4-BE49-F238E27FC236}">
-                <a16:creationId xmlns:a16="http://schemas.microsoft.com/office/drawing/2014/main" id="{F8FD791E-F627-4DDB-AD69-F7639FDD1767}"/>
+                <a16:creationId xmlns:a16="http://schemas.microsoft.com/office/drawing/2014/main" id="{8B8C0A57-8AE7-F31F-7BEE-486E130CDDF3}"/>
               </a:ext>
             </a:extLst>
           </p:cNvPr>
@@ -1987,7 +3104,7 @@
           <p:cNvPr id="5" name="投影片編號版面配置區 4">
             <a:extLst>
               <a:ext uri="{FF2B5EF4-FFF2-40B4-BE49-F238E27FC236}">
-                <a16:creationId xmlns:a16="http://schemas.microsoft.com/office/drawing/2014/main" id="{CE9C3C73-9A1B-4A20-B40C-BF8E0726E9AE}"/>
+                <a16:creationId xmlns:a16="http://schemas.microsoft.com/office/drawing/2014/main" id="{BB524F1D-2D05-756F-DDFD-EA912C9E73F7}"/>
               </a:ext>
             </a:extLst>
           </p:cNvPr>
@@ -2003,7 +3120,7 @@
           <a:bodyPr/>
           <a:lstStyle/>
           <a:p>
-            <a:fld id="{E31EC408-072F-4346-BD0A-D6AA5788A305}" type="slidenum">
+            <a:fld id="{ECF6DE48-CF47-4C03-901E-876B1D126FF9}" type="slidenum">
               <a:rPr lang="zh-TW" altLang="en-US" smtClean="0"/>
               <a:t>‹#›</a:t>
             </a:fld>
@@ -2014,7 +3131,7 @@
     </p:spTree>
     <p:extLst>
       <p:ext uri="{BB962C8B-B14F-4D97-AF65-F5344CB8AC3E}">
-        <p14:creationId xmlns:p14="http://schemas.microsoft.com/office/powerpoint/2010/main" val="3116621787"/>
+        <p14:creationId xmlns:p14="http://schemas.microsoft.com/office/powerpoint/2010/main" val="2184078657"/>
       </p:ext>
     </p:extLst>
   </p:cSld>
@@ -2046,7 +3163,7 @@
           <p:cNvPr id="2" name="日期版面配置區 1">
             <a:extLst>
               <a:ext uri="{FF2B5EF4-FFF2-40B4-BE49-F238E27FC236}">
-                <a16:creationId xmlns:a16="http://schemas.microsoft.com/office/drawing/2014/main" id="{1E1D8EED-F2A7-4221-9887-0DBB62EB3F80}"/>
+                <a16:creationId xmlns:a16="http://schemas.microsoft.com/office/drawing/2014/main" id="{5A43679F-7425-87F8-128C-C066E4E4287C}"/>
               </a:ext>
             </a:extLst>
           </p:cNvPr>
@@ -2062,9 +3179,9 @@
           <a:bodyPr/>
           <a:lstStyle/>
           <a:p>
-            <a:fld id="{C3C90D7E-32D6-4894-AE08-7BBB3E610FC9}" type="datetimeFigureOut">
+            <a:fld id="{F0F22117-FC0C-4609-B28F-97217F98EFDA}" type="datetimeFigureOut">
               <a:rPr lang="zh-TW" altLang="en-US" smtClean="0"/>
-              <a:t>2024/9/16</a:t>
+              <a:t>2024/10/24</a:t>
             </a:fld>
             <a:endParaRPr lang="zh-TW" altLang="en-US"/>
           </a:p>
@@ -2075,7 +3192,7 @@
           <p:cNvPr id="3" name="頁尾版面配置區 2">
             <a:extLst>
               <a:ext uri="{FF2B5EF4-FFF2-40B4-BE49-F238E27FC236}">
-                <a16:creationId xmlns:a16="http://schemas.microsoft.com/office/drawing/2014/main" id="{10593B39-DC86-45A7-85EF-B4DB9C28DC80}"/>
+                <a16:creationId xmlns:a16="http://schemas.microsoft.com/office/drawing/2014/main" id="{C47A4A5E-6F9A-E94C-900F-D13DF688F805}"/>
               </a:ext>
             </a:extLst>
           </p:cNvPr>
@@ -2100,7 +3217,7 @@
           <p:cNvPr id="4" name="投影片編號版面配置區 3">
             <a:extLst>
               <a:ext uri="{FF2B5EF4-FFF2-40B4-BE49-F238E27FC236}">
-                <a16:creationId xmlns:a16="http://schemas.microsoft.com/office/drawing/2014/main" id="{3D9056B2-6966-4CAF-94D1-2295A737E168}"/>
+                <a16:creationId xmlns:a16="http://schemas.microsoft.com/office/drawing/2014/main" id="{22D3BD86-3923-EE87-29E5-7E7F25332B49}"/>
               </a:ext>
             </a:extLst>
           </p:cNvPr>
@@ -2116,7 +3233,7 @@
           <a:bodyPr/>
           <a:lstStyle/>
           <a:p>
-            <a:fld id="{E31EC408-072F-4346-BD0A-D6AA5788A305}" type="slidenum">
+            <a:fld id="{ECF6DE48-CF47-4C03-901E-876B1D126FF9}" type="slidenum">
               <a:rPr lang="zh-TW" altLang="en-US" smtClean="0"/>
               <a:t>‹#›</a:t>
             </a:fld>
@@ -2127,7 +3244,7 @@
     </p:spTree>
     <p:extLst>
       <p:ext uri="{BB962C8B-B14F-4D97-AF65-F5344CB8AC3E}">
-        <p14:creationId xmlns:p14="http://schemas.microsoft.com/office/powerpoint/2010/main" val="3887241942"/>
+        <p14:creationId xmlns:p14="http://schemas.microsoft.com/office/powerpoint/2010/main" val="3568069386"/>
       </p:ext>
     </p:extLst>
   </p:cSld>
@@ -2159,7 +3276,7 @@
           <p:cNvPr id="2" name="標題 1">
             <a:extLst>
               <a:ext uri="{FF2B5EF4-FFF2-40B4-BE49-F238E27FC236}">
-                <a16:creationId xmlns:a16="http://schemas.microsoft.com/office/drawing/2014/main" id="{5C3076DF-D16B-4600-9550-96C6A8DD7F1A}"/>
+                <a16:creationId xmlns:a16="http://schemas.microsoft.com/office/drawing/2014/main" id="{B1209D2D-1BFD-94C5-E03E-AE56B613A336}"/>
               </a:ext>
             </a:extLst>
           </p:cNvPr>
@@ -2196,7 +3313,7 @@
           <p:cNvPr id="3" name="內容版面配置區 2">
             <a:extLst>
               <a:ext uri="{FF2B5EF4-FFF2-40B4-BE49-F238E27FC236}">
-                <a16:creationId xmlns:a16="http://schemas.microsoft.com/office/drawing/2014/main" id="{9CD3D667-FDE5-4F5D-9495-588EC18912CE}"/>
+                <a16:creationId xmlns:a16="http://schemas.microsoft.com/office/drawing/2014/main" id="{358F25CC-8CA6-459A-CE95-B4EFECF39F91}"/>
               </a:ext>
             </a:extLst>
           </p:cNvPr>
@@ -2286,7 +3403,7 @@
           <p:cNvPr id="4" name="文字版面配置區 3">
             <a:extLst>
               <a:ext uri="{FF2B5EF4-FFF2-40B4-BE49-F238E27FC236}">
-                <a16:creationId xmlns:a16="http://schemas.microsoft.com/office/drawing/2014/main" id="{22F511E7-BEEF-4F51-BA0E-52C1908D5608}"/>
+                <a16:creationId xmlns:a16="http://schemas.microsoft.com/office/drawing/2014/main" id="{EBD6DB08-2A4C-4E48-97C8-19C116687085}"/>
               </a:ext>
             </a:extLst>
           </p:cNvPr>
@@ -2357,7 +3474,7 @@
           <p:cNvPr id="5" name="日期版面配置區 4">
             <a:extLst>
               <a:ext uri="{FF2B5EF4-FFF2-40B4-BE49-F238E27FC236}">
-                <a16:creationId xmlns:a16="http://schemas.microsoft.com/office/drawing/2014/main" id="{88060697-A92E-4178-A790-FCBB90D70573}"/>
+                <a16:creationId xmlns:a16="http://schemas.microsoft.com/office/drawing/2014/main" id="{96325FE7-686E-C070-73BF-ACD0F0E2CF64}"/>
               </a:ext>
             </a:extLst>
           </p:cNvPr>
@@ -2373,9 +3490,9 @@
           <a:bodyPr/>
           <a:lstStyle/>
           <a:p>
-            <a:fld id="{C3C90D7E-32D6-4894-AE08-7BBB3E610FC9}" type="datetimeFigureOut">
+            <a:fld id="{F0F22117-FC0C-4609-B28F-97217F98EFDA}" type="datetimeFigureOut">
               <a:rPr lang="zh-TW" altLang="en-US" smtClean="0"/>
-              <a:t>2024/9/16</a:t>
+              <a:t>2024/10/24</a:t>
             </a:fld>
             <a:endParaRPr lang="zh-TW" altLang="en-US"/>
           </a:p>
@@ -2386,7 +3503,7 @@
           <p:cNvPr id="6" name="頁尾版面配置區 5">
             <a:extLst>
               <a:ext uri="{FF2B5EF4-FFF2-40B4-BE49-F238E27FC236}">
-                <a16:creationId xmlns:a16="http://schemas.microsoft.com/office/drawing/2014/main" id="{2A8E3F57-A99A-4C4C-BF14-EE42AB99CE78}"/>
+                <a16:creationId xmlns:a16="http://schemas.microsoft.com/office/drawing/2014/main" id="{B186672A-F914-2C22-1320-BF229F57A227}"/>
               </a:ext>
             </a:extLst>
           </p:cNvPr>
@@ -2411,7 +3528,7 @@
           <p:cNvPr id="7" name="投影片編號版面配置區 6">
             <a:extLst>
               <a:ext uri="{FF2B5EF4-FFF2-40B4-BE49-F238E27FC236}">
-                <a16:creationId xmlns:a16="http://schemas.microsoft.com/office/drawing/2014/main" id="{39234440-6924-48D7-AC1A-200D5946BCA9}"/>
+                <a16:creationId xmlns:a16="http://schemas.microsoft.com/office/drawing/2014/main" id="{F504D466-2088-2F4D-E4AF-0A33A2DE00C3}"/>
               </a:ext>
             </a:extLst>
           </p:cNvPr>
@@ -2427,7 +3544,7 @@
           <a:bodyPr/>
           <a:lstStyle/>
           <a:p>
-            <a:fld id="{E31EC408-072F-4346-BD0A-D6AA5788A305}" type="slidenum">
+            <a:fld id="{ECF6DE48-CF47-4C03-901E-876B1D126FF9}" type="slidenum">
               <a:rPr lang="zh-TW" altLang="en-US" smtClean="0"/>
               <a:t>‹#›</a:t>
             </a:fld>
@@ -2438,7 +3555,7 @@
     </p:spTree>
     <p:extLst>
       <p:ext uri="{BB962C8B-B14F-4D97-AF65-F5344CB8AC3E}">
-        <p14:creationId xmlns:p14="http://schemas.microsoft.com/office/powerpoint/2010/main" val="2036183199"/>
+        <p14:creationId xmlns:p14="http://schemas.microsoft.com/office/powerpoint/2010/main" val="1166131011"/>
       </p:ext>
     </p:extLst>
   </p:cSld>
@@ -2470,7 +3587,7 @@
           <p:cNvPr id="2" name="標題 1">
             <a:extLst>
               <a:ext uri="{FF2B5EF4-FFF2-40B4-BE49-F238E27FC236}">
-                <a16:creationId xmlns:a16="http://schemas.microsoft.com/office/drawing/2014/main" id="{B2E81694-0B93-4D65-9DA3-21597478A96C}"/>
+                <a16:creationId xmlns:a16="http://schemas.microsoft.com/office/drawing/2014/main" id="{2807695B-E4CB-52F7-C9C0-14DF2F43BF37}"/>
               </a:ext>
             </a:extLst>
           </p:cNvPr>
@@ -2507,7 +3624,7 @@
           <p:cNvPr id="3" name="圖片版面配置區 2">
             <a:extLst>
               <a:ext uri="{FF2B5EF4-FFF2-40B4-BE49-F238E27FC236}">
-                <a16:creationId xmlns:a16="http://schemas.microsoft.com/office/drawing/2014/main" id="{23E4D718-8CB0-4334-BB8A-FB8B57D7CDC6}"/>
+                <a16:creationId xmlns:a16="http://schemas.microsoft.com/office/drawing/2014/main" id="{B9A7EF6A-6FC2-230A-5834-CB8E2F17ED66}"/>
               </a:ext>
             </a:extLst>
           </p:cNvPr>
@@ -2574,7 +3691,7 @@
           <p:cNvPr id="4" name="文字版面配置區 3">
             <a:extLst>
               <a:ext uri="{FF2B5EF4-FFF2-40B4-BE49-F238E27FC236}">
-                <a16:creationId xmlns:a16="http://schemas.microsoft.com/office/drawing/2014/main" id="{0DC47463-53E7-4FE3-B60B-1657D11127BD}"/>
+                <a16:creationId xmlns:a16="http://schemas.microsoft.com/office/drawing/2014/main" id="{3FEDEF92-ECE4-E13D-F55B-8204962193E3}"/>
               </a:ext>
             </a:extLst>
           </p:cNvPr>
@@ -2645,7 +3762,7 @@
           <p:cNvPr id="5" name="日期版面配置區 4">
             <a:extLst>
               <a:ext uri="{FF2B5EF4-FFF2-40B4-BE49-F238E27FC236}">
-                <a16:creationId xmlns:a16="http://schemas.microsoft.com/office/drawing/2014/main" id="{28875DC5-6AFF-40C0-8C77-F81A0A3E1B0F}"/>
+                <a16:creationId xmlns:a16="http://schemas.microsoft.com/office/drawing/2014/main" id="{5476BACB-65FD-87C6-3AF0-5A76BB0A9CAE}"/>
               </a:ext>
             </a:extLst>
           </p:cNvPr>
@@ -2661,9 +3778,9 @@
           <a:bodyPr/>
           <a:lstStyle/>
           <a:p>
-            <a:fld id="{C3C90D7E-32D6-4894-AE08-7BBB3E610FC9}" type="datetimeFigureOut">
+            <a:fld id="{F0F22117-FC0C-4609-B28F-97217F98EFDA}" type="datetimeFigureOut">
               <a:rPr lang="zh-TW" altLang="en-US" smtClean="0"/>
-              <a:t>2024/9/16</a:t>
+              <a:t>2024/10/24</a:t>
             </a:fld>
             <a:endParaRPr lang="zh-TW" altLang="en-US"/>
           </a:p>
@@ -2674,7 +3791,7 @@
           <p:cNvPr id="6" name="頁尾版面配置區 5">
             <a:extLst>
               <a:ext uri="{FF2B5EF4-FFF2-40B4-BE49-F238E27FC236}">
-                <a16:creationId xmlns:a16="http://schemas.microsoft.com/office/drawing/2014/main" id="{24F8A973-6D07-4F0C-97A0-280FEFC238E0}"/>
+                <a16:creationId xmlns:a16="http://schemas.microsoft.com/office/drawing/2014/main" id="{EF49842A-E509-0182-44D0-9E7572A87F09}"/>
               </a:ext>
             </a:extLst>
           </p:cNvPr>
@@ -2699,7 +3816,7 @@
           <p:cNvPr id="7" name="投影片編號版面配置區 6">
             <a:extLst>
               <a:ext uri="{FF2B5EF4-FFF2-40B4-BE49-F238E27FC236}">
-                <a16:creationId xmlns:a16="http://schemas.microsoft.com/office/drawing/2014/main" id="{DB60BB1E-F41B-40F0-929B-5208374980BF}"/>
+                <a16:creationId xmlns:a16="http://schemas.microsoft.com/office/drawing/2014/main" id="{6F6EF9A3-1B1A-B85E-989C-86DC1725AECE}"/>
               </a:ext>
             </a:extLst>
           </p:cNvPr>
@@ -2715,7 +3832,7 @@
           <a:bodyPr/>
           <a:lstStyle/>
           <a:p>
-            <a:fld id="{E31EC408-072F-4346-BD0A-D6AA5788A305}" type="slidenum">
+            <a:fld id="{ECF6DE48-CF47-4C03-901E-876B1D126FF9}" type="slidenum">
               <a:rPr lang="zh-TW" altLang="en-US" smtClean="0"/>
               <a:t>‹#›</a:t>
             </a:fld>
@@ -2726,7 +3843,7 @@
     </p:spTree>
     <p:extLst>
       <p:ext uri="{BB962C8B-B14F-4D97-AF65-F5344CB8AC3E}">
-        <p14:creationId xmlns:p14="http://schemas.microsoft.com/office/powerpoint/2010/main" val="3148270851"/>
+        <p14:creationId xmlns:p14="http://schemas.microsoft.com/office/powerpoint/2010/main" val="1279081807"/>
       </p:ext>
     </p:extLst>
   </p:cSld>
@@ -2740,9 +3857,14 @@
 <p:sldMaster xmlns:a="http://schemas.openxmlformats.org/drawingml/2006/main" xmlns:r="http://schemas.openxmlformats.org/officeDocument/2006/relationships" xmlns:p="http://schemas.openxmlformats.org/presentationml/2006/main">
   <p:cSld>
     <p:bg>
-      <p:bgRef idx="1001">
-        <a:schemeClr val="bg1"/>
-      </p:bgRef>
+      <p:bgPr>
+        <a:solidFill>
+          <a:srgbClr val="BE8C00">
+            <a:alpha val="82000"/>
+          </a:srgbClr>
+        </a:solidFill>
+        <a:effectLst/>
+      </p:bgPr>
     </p:bg>
     <p:spTree>
       <p:nvGrpSpPr>
@@ -2763,7 +3885,7 @@
           <p:cNvPr id="2" name="標題版面配置區 1">
             <a:extLst>
               <a:ext uri="{FF2B5EF4-FFF2-40B4-BE49-F238E27FC236}">
-                <a16:creationId xmlns:a16="http://schemas.microsoft.com/office/drawing/2014/main" id="{B8575AAC-624C-4B52-ABD4-699B1E35D2CF}"/>
+                <a16:creationId xmlns:a16="http://schemas.microsoft.com/office/drawing/2014/main" id="{6B7D7392-E588-176D-4BE6-AD90141E045B}"/>
               </a:ext>
             </a:extLst>
           </p:cNvPr>
@@ -2801,7 +3923,7 @@
           <p:cNvPr id="3" name="文字版面配置區 2">
             <a:extLst>
               <a:ext uri="{FF2B5EF4-FFF2-40B4-BE49-F238E27FC236}">
-                <a16:creationId xmlns:a16="http://schemas.microsoft.com/office/drawing/2014/main" id="{76722991-C57D-471F-8271-C419A1CFB074}"/>
+                <a16:creationId xmlns:a16="http://schemas.microsoft.com/office/drawing/2014/main" id="{BCC6F355-8FBF-D19E-9BBE-F8C623BDE0E2}"/>
               </a:ext>
             </a:extLst>
           </p:cNvPr>
@@ -2868,7 +3990,7 @@
           <p:cNvPr id="4" name="日期版面配置區 3">
             <a:extLst>
               <a:ext uri="{FF2B5EF4-FFF2-40B4-BE49-F238E27FC236}">
-                <a16:creationId xmlns:a16="http://schemas.microsoft.com/office/drawing/2014/main" id="{85C839DD-8CBF-4E23-A0C7-7C039E950BB8}"/>
+                <a16:creationId xmlns:a16="http://schemas.microsoft.com/office/drawing/2014/main" id="{DD1695C7-B10B-C3E4-B68F-2FF091D0512B}"/>
               </a:ext>
             </a:extLst>
           </p:cNvPr>
@@ -2902,9 +4024,9 @@
             </a:lvl1pPr>
           </a:lstStyle>
           <a:p>
-            <a:fld id="{C3C90D7E-32D6-4894-AE08-7BBB3E610FC9}" type="datetimeFigureOut">
+            <a:fld id="{F0F22117-FC0C-4609-B28F-97217F98EFDA}" type="datetimeFigureOut">
               <a:rPr lang="zh-TW" altLang="en-US" smtClean="0"/>
-              <a:t>2024/9/16</a:t>
+              <a:t>2024/10/24</a:t>
             </a:fld>
             <a:endParaRPr lang="zh-TW" altLang="en-US"/>
           </a:p>
@@ -2915,7 +4037,7 @@
           <p:cNvPr id="5" name="頁尾版面配置區 4">
             <a:extLst>
               <a:ext uri="{FF2B5EF4-FFF2-40B4-BE49-F238E27FC236}">
-                <a16:creationId xmlns:a16="http://schemas.microsoft.com/office/drawing/2014/main" id="{12802D8A-77D4-418C-8190-43B6ADED2131}"/>
+                <a16:creationId xmlns:a16="http://schemas.microsoft.com/office/drawing/2014/main" id="{D4FEBC56-2691-317C-D235-24F43C1B4D0F}"/>
               </a:ext>
             </a:extLst>
           </p:cNvPr>
@@ -2958,7 +4080,7 @@
           <p:cNvPr id="6" name="投影片編號版面配置區 5">
             <a:extLst>
               <a:ext uri="{FF2B5EF4-FFF2-40B4-BE49-F238E27FC236}">
-                <a16:creationId xmlns:a16="http://schemas.microsoft.com/office/drawing/2014/main" id="{7072B55E-2BE2-4AF4-AFF8-2A716F492F1C}"/>
+                <a16:creationId xmlns:a16="http://schemas.microsoft.com/office/drawing/2014/main" id="{F443EF41-70C5-C763-8368-E69BD2359C1C}"/>
               </a:ext>
             </a:extLst>
           </p:cNvPr>
@@ -2992,7 +4114,7 @@
             </a:lvl1pPr>
           </a:lstStyle>
           <a:p>
-            <a:fld id="{E31EC408-072F-4346-BD0A-D6AA5788A305}" type="slidenum">
+            <a:fld id="{ECF6DE48-CF47-4C03-901E-876B1D126FF9}" type="slidenum">
               <a:rPr lang="zh-TW" altLang="en-US" smtClean="0"/>
               <a:t>‹#›</a:t>
             </a:fld>
@@ -3003,7 +4125,7 @@
     </p:spTree>
     <p:extLst>
       <p:ext uri="{BB962C8B-B14F-4D97-AF65-F5344CB8AC3E}">
-        <p14:creationId xmlns:p14="http://schemas.microsoft.com/office/powerpoint/2010/main" val="2016052060"/>
+        <p14:creationId xmlns:p14="http://schemas.microsoft.com/office/powerpoint/2010/main" val="269988398"/>
       </p:ext>
     </p:extLst>
   </p:cSld>
@@ -3323,58 +4445,758 @@
       </p:grpSpPr>
       <p:sp>
         <p:nvSpPr>
-          <p:cNvPr id="2" name="標題 1">
-            <a:extLst>
-              <a:ext uri="{FF2B5EF4-FFF2-40B4-BE49-F238E27FC236}">
-                <a16:creationId xmlns:a16="http://schemas.microsoft.com/office/drawing/2014/main" id="{32532283-9F93-4E44-8138-32796965361F}"/>
-              </a:ext>
-            </a:extLst>
-          </p:cNvPr>
-          <p:cNvSpPr>
-            <a:spLocks noGrp="1"/>
-          </p:cNvSpPr>
-          <p:nvPr>
-            <p:ph type="ctrTitle"/>
-          </p:nvPr>
-        </p:nvSpPr>
-        <p:spPr/>
-        <p:txBody>
-          <a:bodyPr/>
-          <a:lstStyle/>
-          <a:p>
-            <a:endParaRPr lang="zh-TW" altLang="en-US"/>
-          </a:p>
-        </p:txBody>
-      </p:sp>
-      <p:sp>
-        <p:nvSpPr>
-          <p:cNvPr id="3" name="副標題 2">
-            <a:extLst>
-              <a:ext uri="{FF2B5EF4-FFF2-40B4-BE49-F238E27FC236}">
-                <a16:creationId xmlns:a16="http://schemas.microsoft.com/office/drawing/2014/main" id="{8C946F38-524D-4B98-B9CB-80AEE57E455A}"/>
-              </a:ext>
-            </a:extLst>
-          </p:cNvPr>
-          <p:cNvSpPr>
-            <a:spLocks noGrp="1"/>
-          </p:cNvSpPr>
-          <p:nvPr>
-            <p:ph type="subTitle" idx="1"/>
-          </p:nvPr>
-        </p:nvSpPr>
-        <p:spPr/>
-        <p:txBody>
-          <a:bodyPr/>
-          <a:lstStyle/>
-          <a:p>
-            <a:endParaRPr lang="zh-TW" altLang="en-US"/>
+          <p:cNvPr id="4" name="標題 3">
+            <a:extLst>
+              <a:ext uri="{FF2B5EF4-FFF2-40B4-BE49-F238E27FC236}">
+                <a16:creationId xmlns:a16="http://schemas.microsoft.com/office/drawing/2014/main" id="{277BC57D-1308-302E-72AC-42972B26DB61}"/>
+              </a:ext>
+            </a:extLst>
+          </p:cNvPr>
+          <p:cNvSpPr>
+            <a:spLocks noGrp="1"/>
+          </p:cNvSpPr>
+          <p:nvPr>
+            <p:ph type="title"/>
+          </p:nvPr>
+        </p:nvSpPr>
+        <p:spPr>
+          <a:xfrm>
+            <a:off x="839788" y="457200"/>
+            <a:ext cx="3932237" cy="2396836"/>
+          </a:xfrm>
+        </p:spPr>
+        <p:txBody>
+          <a:bodyPr>
+            <a:normAutofit/>
+          </a:bodyPr>
+          <a:lstStyle/>
+          <a:p>
+            <a:pPr algn="ctr"/>
+            <a:r>
+              <a:rPr lang="zh-TW" altLang="en-US" sz="4000" dirty="0">
+                <a:solidFill>
+                  <a:schemeClr val="bg1"/>
+                </a:solidFill>
+              </a:rPr>
+              <a:t>冒險故事</a:t>
+            </a:r>
+            <a:br>
+              <a:rPr lang="en-US" altLang="zh-TW" sz="4000" dirty="0">
+                <a:solidFill>
+                  <a:schemeClr val="bg1"/>
+                </a:solidFill>
+              </a:rPr>
+            </a:br>
+            <a:r>
+              <a:rPr lang="en-US" altLang="zh-TW" sz="4000" dirty="0">
+                <a:solidFill>
+                  <a:schemeClr val="bg1"/>
+                </a:solidFill>
+              </a:rPr>
+              <a:t>(</a:t>
+            </a:r>
+            <a:r>
+              <a:rPr lang="en-US" altLang="zh-TW" sz="4000" dirty="0" err="1">
+                <a:solidFill>
+                  <a:schemeClr val="bg1"/>
+                </a:solidFill>
+              </a:rPr>
+              <a:t>nizima</a:t>
+            </a:r>
+            <a:r>
+              <a:rPr lang="zh-TW" altLang="en-US" sz="4000" dirty="0">
+                <a:solidFill>
+                  <a:schemeClr val="bg1"/>
+                </a:solidFill>
+              </a:rPr>
+              <a:t> </a:t>
+            </a:r>
+            <a:r>
+              <a:rPr lang="en-US" altLang="zh-TW" sz="4000" dirty="0">
+                <a:solidFill>
+                  <a:schemeClr val="bg1"/>
+                </a:solidFill>
+              </a:rPr>
+              <a:t>Live)</a:t>
+            </a:r>
+            <a:endParaRPr lang="zh-TW" altLang="en-US" sz="4000" dirty="0">
+              <a:solidFill>
+                <a:schemeClr val="bg1"/>
+              </a:solidFill>
+            </a:endParaRPr>
           </a:p>
         </p:txBody>
       </p:sp>
     </p:spTree>
     <p:extLst>
       <p:ext uri="{BB962C8B-B14F-4D97-AF65-F5344CB8AC3E}">
-        <p14:creationId xmlns:p14="http://schemas.microsoft.com/office/powerpoint/2010/main" val="1328321055"/>
+        <p14:creationId xmlns:p14="http://schemas.microsoft.com/office/powerpoint/2010/main" val="48104498"/>
+      </p:ext>
+    </p:extLst>
+  </p:cSld>
+  <p:clrMapOvr>
+    <a:masterClrMapping/>
+  </p:clrMapOvr>
+</p:sld>
+</file>
+
+<file path=ppt/slides/slide2.xml><?xml version="1.0" encoding="utf-8"?>
+<p:sld xmlns:a="http://schemas.openxmlformats.org/drawingml/2006/main" xmlns:r="http://schemas.openxmlformats.org/officeDocument/2006/relationships" xmlns:p="http://schemas.openxmlformats.org/presentationml/2006/main">
+  <p:cSld>
+    <p:bg>
+      <p:bgPr>
+        <a:blipFill dpi="0" rotWithShape="1">
+          <a:blip r:embed="rId3">
+            <a:lum/>
+          </a:blip>
+          <a:srcRect/>
+          <a:stretch>
+            <a:fillRect t="-9000" b="-9000"/>
+          </a:stretch>
+        </a:blipFill>
+        <a:effectLst/>
+      </p:bgPr>
+    </p:bg>
+    <p:spTree>
+      <p:nvGrpSpPr>
+        <p:cNvPr id="1" name=""/>
+        <p:cNvGrpSpPr/>
+        <p:nvPr/>
+      </p:nvGrpSpPr>
+      <p:grpSpPr>
+        <a:xfrm>
+          <a:off x="0" y="0"/>
+          <a:ext cx="0" cy="0"/>
+          <a:chOff x="0" y="0"/>
+          <a:chExt cx="0" cy="0"/>
+        </a:xfrm>
+      </p:grpSpPr>
+      <p:sp>
+        <p:nvSpPr>
+          <p:cNvPr id="5" name="標題 4">
+            <a:extLst>
+              <a:ext uri="{FF2B5EF4-FFF2-40B4-BE49-F238E27FC236}">
+                <a16:creationId xmlns:a16="http://schemas.microsoft.com/office/drawing/2014/main" id="{E4920E20-B31B-C269-1315-D5820722BD79}"/>
+              </a:ext>
+            </a:extLst>
+          </p:cNvPr>
+          <p:cNvSpPr>
+            <a:spLocks noGrp="1"/>
+          </p:cNvSpPr>
+          <p:nvPr>
+            <p:ph type="title"/>
+          </p:nvPr>
+        </p:nvSpPr>
+        <p:spPr/>
+        <p:txBody>
+          <a:bodyPr/>
+          <a:lstStyle/>
+          <a:p>
+            <a:r>
+              <a:rPr lang="en-US" altLang="zh-TW" dirty="0">
+                <a:solidFill>
+                  <a:schemeClr val="bg1"/>
+                </a:solidFill>
+                <a:highlight>
+                  <a:srgbClr val="CC9900"/>
+                </a:highlight>
+              </a:rPr>
+              <a:t>1.</a:t>
+            </a:r>
+            <a:r>
+              <a:rPr lang="zh-TW" altLang="en-US" dirty="0">
+                <a:solidFill>
+                  <a:schemeClr val="bg1"/>
+                </a:solidFill>
+                <a:highlight>
+                  <a:srgbClr val="CC9900"/>
+                </a:highlight>
+              </a:rPr>
+              <a:t> 目標</a:t>
+            </a:r>
+          </a:p>
+        </p:txBody>
+      </p:sp>
+    </p:spTree>
+    <p:extLst>
+      <p:ext uri="{BB962C8B-B14F-4D97-AF65-F5344CB8AC3E}">
+        <p14:creationId xmlns:p14="http://schemas.microsoft.com/office/powerpoint/2010/main" val="3328447134"/>
+      </p:ext>
+    </p:extLst>
+  </p:cSld>
+  <p:clrMapOvr>
+    <a:masterClrMapping/>
+  </p:clrMapOvr>
+</p:sld>
+</file>
+
+<file path=ppt/slides/slide3.xml><?xml version="1.0" encoding="utf-8"?>
+<p:sld xmlns:a="http://schemas.openxmlformats.org/drawingml/2006/main" xmlns:r="http://schemas.openxmlformats.org/officeDocument/2006/relationships" xmlns:p="http://schemas.openxmlformats.org/presentationml/2006/main">
+  <p:cSld>
+    <p:bg>
+      <p:bgPr>
+        <a:blipFill dpi="0" rotWithShape="1">
+          <a:blip r:embed="rId3">
+            <a:lum/>
+          </a:blip>
+          <a:srcRect/>
+          <a:stretch>
+            <a:fillRect t="-9000" b="-9000"/>
+          </a:stretch>
+        </a:blipFill>
+        <a:effectLst/>
+      </p:bgPr>
+    </p:bg>
+    <p:spTree>
+      <p:nvGrpSpPr>
+        <p:cNvPr id="1" name="">
+          <a:extLst>
+            <a:ext uri="{FF2B5EF4-FFF2-40B4-BE49-F238E27FC236}">
+              <a16:creationId xmlns:a16="http://schemas.microsoft.com/office/drawing/2014/main" id="{D66D0653-4445-74CC-45A4-84BB6EEF99AA}"/>
+            </a:ext>
+          </a:extLst>
+        </p:cNvPr>
+        <p:cNvGrpSpPr/>
+        <p:nvPr/>
+      </p:nvGrpSpPr>
+      <p:grpSpPr>
+        <a:xfrm>
+          <a:off x="0" y="0"/>
+          <a:ext cx="0" cy="0"/>
+          <a:chOff x="0" y="0"/>
+          <a:chExt cx="0" cy="0"/>
+        </a:xfrm>
+      </p:grpSpPr>
+      <p:sp>
+        <p:nvSpPr>
+          <p:cNvPr id="5" name="標題 4">
+            <a:extLst>
+              <a:ext uri="{FF2B5EF4-FFF2-40B4-BE49-F238E27FC236}">
+                <a16:creationId xmlns:a16="http://schemas.microsoft.com/office/drawing/2014/main" id="{EAF6D946-6510-434C-E50F-E943B464EA0F}"/>
+              </a:ext>
+            </a:extLst>
+          </p:cNvPr>
+          <p:cNvSpPr>
+            <a:spLocks noGrp="1"/>
+          </p:cNvSpPr>
+          <p:nvPr>
+            <p:ph type="title"/>
+          </p:nvPr>
+        </p:nvSpPr>
+        <p:spPr/>
+        <p:txBody>
+          <a:bodyPr/>
+          <a:lstStyle/>
+          <a:p>
+            <a:r>
+              <a:rPr lang="en-US" altLang="zh-TW" dirty="0">
+                <a:solidFill>
+                  <a:schemeClr val="bg1"/>
+                </a:solidFill>
+                <a:highlight>
+                  <a:srgbClr val="CC9900"/>
+                </a:highlight>
+              </a:rPr>
+              <a:t>2.</a:t>
+            </a:r>
+            <a:r>
+              <a:rPr lang="zh-TW" altLang="en-US" dirty="0">
+                <a:solidFill>
+                  <a:schemeClr val="bg1"/>
+                </a:solidFill>
+                <a:highlight>
+                  <a:srgbClr val="CC9900"/>
+                </a:highlight>
+              </a:rPr>
+              <a:t> 阻礙</a:t>
+            </a:r>
+          </a:p>
+        </p:txBody>
+      </p:sp>
+    </p:spTree>
+    <p:extLst>
+      <p:ext uri="{BB962C8B-B14F-4D97-AF65-F5344CB8AC3E}">
+        <p14:creationId xmlns:p14="http://schemas.microsoft.com/office/powerpoint/2010/main" val="4216311139"/>
+      </p:ext>
+    </p:extLst>
+  </p:cSld>
+  <p:clrMapOvr>
+    <a:masterClrMapping/>
+  </p:clrMapOvr>
+</p:sld>
+</file>
+
+<file path=ppt/slides/slide4.xml><?xml version="1.0" encoding="utf-8"?>
+<p:sld xmlns:a="http://schemas.openxmlformats.org/drawingml/2006/main" xmlns:r="http://schemas.openxmlformats.org/officeDocument/2006/relationships" xmlns:p="http://schemas.openxmlformats.org/presentationml/2006/main">
+  <p:cSld>
+    <p:bg>
+      <p:bgPr>
+        <a:blipFill dpi="0" rotWithShape="1">
+          <a:blip r:embed="rId3">
+            <a:lum/>
+          </a:blip>
+          <a:srcRect/>
+          <a:stretch>
+            <a:fillRect t="-83000" b="-83000"/>
+          </a:stretch>
+        </a:blipFill>
+        <a:effectLst/>
+      </p:bgPr>
+    </p:bg>
+    <p:spTree>
+      <p:nvGrpSpPr>
+        <p:cNvPr id="1" name="">
+          <a:extLst>
+            <a:ext uri="{FF2B5EF4-FFF2-40B4-BE49-F238E27FC236}">
+              <a16:creationId xmlns:a16="http://schemas.microsoft.com/office/drawing/2014/main" id="{C314005C-C03C-3140-47E5-A8993BBB03E8}"/>
+            </a:ext>
+          </a:extLst>
+        </p:cNvPr>
+        <p:cNvGrpSpPr/>
+        <p:nvPr/>
+      </p:nvGrpSpPr>
+      <p:grpSpPr>
+        <a:xfrm>
+          <a:off x="0" y="0"/>
+          <a:ext cx="0" cy="0"/>
+          <a:chOff x="0" y="0"/>
+          <a:chExt cx="0" cy="0"/>
+        </a:xfrm>
+      </p:grpSpPr>
+      <p:sp>
+        <p:nvSpPr>
+          <p:cNvPr id="5" name="標題 4">
+            <a:extLst>
+              <a:ext uri="{FF2B5EF4-FFF2-40B4-BE49-F238E27FC236}">
+                <a16:creationId xmlns:a16="http://schemas.microsoft.com/office/drawing/2014/main" id="{20F6952E-9B14-1F2C-740B-941583250E5C}"/>
+              </a:ext>
+            </a:extLst>
+          </p:cNvPr>
+          <p:cNvSpPr>
+            <a:spLocks noGrp="1"/>
+          </p:cNvSpPr>
+          <p:nvPr>
+            <p:ph type="title"/>
+          </p:nvPr>
+        </p:nvSpPr>
+        <p:spPr/>
+        <p:txBody>
+          <a:bodyPr/>
+          <a:lstStyle/>
+          <a:p>
+            <a:r>
+              <a:rPr lang="en-US" altLang="zh-TW" dirty="0">
+                <a:solidFill>
+                  <a:schemeClr val="bg1"/>
+                </a:solidFill>
+                <a:highlight>
+                  <a:srgbClr val="CC9900"/>
+                </a:highlight>
+              </a:rPr>
+              <a:t>3.</a:t>
+            </a:r>
+            <a:r>
+              <a:rPr lang="zh-TW" altLang="en-US" dirty="0">
+                <a:solidFill>
+                  <a:schemeClr val="bg1"/>
+                </a:solidFill>
+                <a:highlight>
+                  <a:srgbClr val="CC9900"/>
+                </a:highlight>
+              </a:rPr>
+              <a:t> 努力</a:t>
+            </a:r>
+          </a:p>
+        </p:txBody>
+      </p:sp>
+    </p:spTree>
+    <p:extLst>
+      <p:ext uri="{BB962C8B-B14F-4D97-AF65-F5344CB8AC3E}">
+        <p14:creationId xmlns:p14="http://schemas.microsoft.com/office/powerpoint/2010/main" val="454048600"/>
+      </p:ext>
+    </p:extLst>
+  </p:cSld>
+  <p:clrMapOvr>
+    <a:masterClrMapping/>
+  </p:clrMapOvr>
+</p:sld>
+</file>
+
+<file path=ppt/slides/slide5.xml><?xml version="1.0" encoding="utf-8"?>
+<p:sld xmlns:a="http://schemas.openxmlformats.org/drawingml/2006/main" xmlns:r="http://schemas.openxmlformats.org/officeDocument/2006/relationships" xmlns:p="http://schemas.openxmlformats.org/presentationml/2006/main">
+  <p:cSld>
+    <p:bg>
+      <p:bgPr>
+        <a:blipFill dpi="0" rotWithShape="1">
+          <a:blip r:embed="rId3">
+            <a:lum/>
+          </a:blip>
+          <a:srcRect/>
+          <a:stretch>
+            <a:fillRect t="-84000" b="-84000"/>
+          </a:stretch>
+        </a:blipFill>
+        <a:effectLst/>
+      </p:bgPr>
+    </p:bg>
+    <p:spTree>
+      <p:nvGrpSpPr>
+        <p:cNvPr id="1" name="">
+          <a:extLst>
+            <a:ext uri="{FF2B5EF4-FFF2-40B4-BE49-F238E27FC236}">
+              <a16:creationId xmlns:a16="http://schemas.microsoft.com/office/drawing/2014/main" id="{5D7A0B9D-B958-8D53-15C0-674AB32742DC}"/>
+            </a:ext>
+          </a:extLst>
+        </p:cNvPr>
+        <p:cNvGrpSpPr/>
+        <p:nvPr/>
+      </p:nvGrpSpPr>
+      <p:grpSpPr>
+        <a:xfrm>
+          <a:off x="0" y="0"/>
+          <a:ext cx="0" cy="0"/>
+          <a:chOff x="0" y="0"/>
+          <a:chExt cx="0" cy="0"/>
+        </a:xfrm>
+      </p:grpSpPr>
+      <p:sp>
+        <p:nvSpPr>
+          <p:cNvPr id="5" name="標題 4">
+            <a:extLst>
+              <a:ext uri="{FF2B5EF4-FFF2-40B4-BE49-F238E27FC236}">
+                <a16:creationId xmlns:a16="http://schemas.microsoft.com/office/drawing/2014/main" id="{90355565-4BEE-C7FD-8F4E-688BBF5BD29F}"/>
+              </a:ext>
+            </a:extLst>
+          </p:cNvPr>
+          <p:cNvSpPr>
+            <a:spLocks noGrp="1"/>
+          </p:cNvSpPr>
+          <p:nvPr>
+            <p:ph type="title"/>
+          </p:nvPr>
+        </p:nvSpPr>
+        <p:spPr/>
+        <p:txBody>
+          <a:bodyPr/>
+          <a:lstStyle/>
+          <a:p>
+            <a:r>
+              <a:rPr lang="en-US" altLang="zh-TW" dirty="0">
+                <a:solidFill>
+                  <a:schemeClr val="bg1"/>
+                </a:solidFill>
+                <a:highlight>
+                  <a:srgbClr val="CC9900"/>
+                </a:highlight>
+              </a:rPr>
+              <a:t>4.</a:t>
+            </a:r>
+            <a:r>
+              <a:rPr lang="zh-TW" altLang="en-US" dirty="0">
+                <a:solidFill>
+                  <a:schemeClr val="bg1"/>
+                </a:solidFill>
+                <a:highlight>
+                  <a:srgbClr val="CC9900"/>
+                </a:highlight>
+              </a:rPr>
+              <a:t> 結果</a:t>
+            </a:r>
+          </a:p>
+        </p:txBody>
+      </p:sp>
+    </p:spTree>
+    <p:extLst>
+      <p:ext uri="{BB962C8B-B14F-4D97-AF65-F5344CB8AC3E}">
+        <p14:creationId xmlns:p14="http://schemas.microsoft.com/office/powerpoint/2010/main" val="1007192548"/>
+      </p:ext>
+    </p:extLst>
+  </p:cSld>
+  <p:clrMapOvr>
+    <a:masterClrMapping/>
+  </p:clrMapOvr>
+</p:sld>
+</file>
+
+<file path=ppt/slides/slide6.xml><?xml version="1.0" encoding="utf-8"?>
+<p:sld xmlns:a="http://schemas.openxmlformats.org/drawingml/2006/main" xmlns:r="http://schemas.openxmlformats.org/officeDocument/2006/relationships" xmlns:p="http://schemas.openxmlformats.org/presentationml/2006/main">
+  <p:cSld>
+    <p:bg>
+      <p:bgPr>
+        <a:blipFill dpi="0" rotWithShape="1">
+          <a:blip r:embed="rId3">
+            <a:lum/>
+          </a:blip>
+          <a:srcRect/>
+          <a:stretch>
+            <a:fillRect t="-84000" b="-84000"/>
+          </a:stretch>
+        </a:blipFill>
+        <a:effectLst/>
+      </p:bgPr>
+    </p:bg>
+    <p:spTree>
+      <p:nvGrpSpPr>
+        <p:cNvPr id="1" name="">
+          <a:extLst>
+            <a:ext uri="{FF2B5EF4-FFF2-40B4-BE49-F238E27FC236}">
+              <a16:creationId xmlns:a16="http://schemas.microsoft.com/office/drawing/2014/main" id="{8D14F0C5-537E-3745-AB19-9AC53E360125}"/>
+            </a:ext>
+          </a:extLst>
+        </p:cNvPr>
+        <p:cNvGrpSpPr/>
+        <p:nvPr/>
+      </p:nvGrpSpPr>
+      <p:grpSpPr>
+        <a:xfrm>
+          <a:off x="0" y="0"/>
+          <a:ext cx="0" cy="0"/>
+          <a:chOff x="0" y="0"/>
+          <a:chExt cx="0" cy="0"/>
+        </a:xfrm>
+      </p:grpSpPr>
+      <p:sp>
+        <p:nvSpPr>
+          <p:cNvPr id="5" name="標題 4">
+            <a:extLst>
+              <a:ext uri="{FF2B5EF4-FFF2-40B4-BE49-F238E27FC236}">
+                <a16:creationId xmlns:a16="http://schemas.microsoft.com/office/drawing/2014/main" id="{96AEE114-3F1D-ECA6-F2E4-3375B97A445D}"/>
+              </a:ext>
+            </a:extLst>
+          </p:cNvPr>
+          <p:cNvSpPr>
+            <a:spLocks noGrp="1"/>
+          </p:cNvSpPr>
+          <p:nvPr>
+            <p:ph type="title"/>
+          </p:nvPr>
+        </p:nvSpPr>
+        <p:spPr/>
+        <p:txBody>
+          <a:bodyPr/>
+          <a:lstStyle/>
+          <a:p>
+            <a:r>
+              <a:rPr lang="en-US" altLang="zh-TW" dirty="0">
+                <a:solidFill>
+                  <a:schemeClr val="bg1"/>
+                </a:solidFill>
+                <a:highlight>
+                  <a:srgbClr val="CC9900"/>
+                </a:highlight>
+              </a:rPr>
+              <a:t>5.</a:t>
+            </a:r>
+            <a:r>
+              <a:rPr lang="zh-TW" altLang="en-US" dirty="0">
+                <a:solidFill>
+                  <a:schemeClr val="bg1"/>
+                </a:solidFill>
+                <a:highlight>
+                  <a:srgbClr val="CC9900"/>
+                </a:highlight>
+              </a:rPr>
+              <a:t> 意外</a:t>
+            </a:r>
+          </a:p>
+        </p:txBody>
+      </p:sp>
+    </p:spTree>
+    <p:extLst>
+      <p:ext uri="{BB962C8B-B14F-4D97-AF65-F5344CB8AC3E}">
+        <p14:creationId xmlns:p14="http://schemas.microsoft.com/office/powerpoint/2010/main" val="3601940536"/>
+      </p:ext>
+    </p:extLst>
+  </p:cSld>
+  <p:clrMapOvr>
+    <a:masterClrMapping/>
+  </p:clrMapOvr>
+</p:sld>
+</file>
+
+<file path=ppt/slides/slide7.xml><?xml version="1.0" encoding="utf-8"?>
+<p:sld xmlns:a="http://schemas.openxmlformats.org/drawingml/2006/main" xmlns:r="http://schemas.openxmlformats.org/officeDocument/2006/relationships" xmlns:p="http://schemas.openxmlformats.org/presentationml/2006/main">
+  <p:cSld>
+    <p:bg>
+      <p:bgPr>
+        <a:blipFill dpi="0" rotWithShape="1">
+          <a:blip r:embed="rId3">
+            <a:lum/>
+          </a:blip>
+          <a:srcRect/>
+          <a:stretch>
+            <a:fillRect t="-9000" b="-9000"/>
+          </a:stretch>
+        </a:blipFill>
+        <a:effectLst/>
+      </p:bgPr>
+    </p:bg>
+    <p:spTree>
+      <p:nvGrpSpPr>
+        <p:cNvPr id="1" name="">
+          <a:extLst>
+            <a:ext uri="{FF2B5EF4-FFF2-40B4-BE49-F238E27FC236}">
+              <a16:creationId xmlns:a16="http://schemas.microsoft.com/office/drawing/2014/main" id="{0FA0B27D-9230-383E-2028-92F6BDFCD4B7}"/>
+            </a:ext>
+          </a:extLst>
+        </p:cNvPr>
+        <p:cNvGrpSpPr/>
+        <p:nvPr/>
+      </p:nvGrpSpPr>
+      <p:grpSpPr>
+        <a:xfrm>
+          <a:off x="0" y="0"/>
+          <a:ext cx="0" cy="0"/>
+          <a:chOff x="0" y="0"/>
+          <a:chExt cx="0" cy="0"/>
+        </a:xfrm>
+      </p:grpSpPr>
+      <p:sp>
+        <p:nvSpPr>
+          <p:cNvPr id="5" name="標題 4">
+            <a:extLst>
+              <a:ext uri="{FF2B5EF4-FFF2-40B4-BE49-F238E27FC236}">
+                <a16:creationId xmlns:a16="http://schemas.microsoft.com/office/drawing/2014/main" id="{0993D1E7-8F25-5A47-402D-4B993F0C6FA4}"/>
+              </a:ext>
+            </a:extLst>
+          </p:cNvPr>
+          <p:cNvSpPr>
+            <a:spLocks noGrp="1"/>
+          </p:cNvSpPr>
+          <p:nvPr>
+            <p:ph type="title"/>
+          </p:nvPr>
+        </p:nvSpPr>
+        <p:spPr/>
+        <p:txBody>
+          <a:bodyPr/>
+          <a:lstStyle/>
+          <a:p>
+            <a:r>
+              <a:rPr lang="en-US" altLang="zh-TW" dirty="0">
+                <a:solidFill>
+                  <a:schemeClr val="bg1"/>
+                </a:solidFill>
+                <a:highlight>
+                  <a:srgbClr val="CC9900"/>
+                </a:highlight>
+              </a:rPr>
+              <a:t>6.</a:t>
+            </a:r>
+            <a:r>
+              <a:rPr lang="zh-TW" altLang="en-US" dirty="0">
+                <a:solidFill>
+                  <a:schemeClr val="bg1"/>
+                </a:solidFill>
+                <a:highlight>
+                  <a:srgbClr val="CC9900"/>
+                </a:highlight>
+              </a:rPr>
+              <a:t> 轉彎</a:t>
+            </a:r>
+          </a:p>
+        </p:txBody>
+      </p:sp>
+    </p:spTree>
+    <p:extLst>
+      <p:ext uri="{BB962C8B-B14F-4D97-AF65-F5344CB8AC3E}">
+        <p14:creationId xmlns:p14="http://schemas.microsoft.com/office/powerpoint/2010/main" val="3636159995"/>
+      </p:ext>
+    </p:extLst>
+  </p:cSld>
+  <p:clrMapOvr>
+    <a:masterClrMapping/>
+  </p:clrMapOvr>
+</p:sld>
+</file>
+
+<file path=ppt/slides/slide8.xml><?xml version="1.0" encoding="utf-8"?>
+<p:sld xmlns:a="http://schemas.openxmlformats.org/drawingml/2006/main" xmlns:r="http://schemas.openxmlformats.org/officeDocument/2006/relationships" xmlns:p="http://schemas.openxmlformats.org/presentationml/2006/main">
+  <p:cSld>
+    <p:bg>
+      <p:bgPr>
+        <a:blipFill dpi="0" rotWithShape="1">
+          <a:blip r:embed="rId3">
+            <a:lum/>
+          </a:blip>
+          <a:srcRect/>
+          <a:stretch>
+            <a:fillRect t="-82000" b="-82000"/>
+          </a:stretch>
+        </a:blipFill>
+        <a:effectLst/>
+      </p:bgPr>
+    </p:bg>
+    <p:spTree>
+      <p:nvGrpSpPr>
+        <p:cNvPr id="1" name="">
+          <a:extLst>
+            <a:ext uri="{FF2B5EF4-FFF2-40B4-BE49-F238E27FC236}">
+              <a16:creationId xmlns:a16="http://schemas.microsoft.com/office/drawing/2014/main" id="{6E0ADBA6-5233-0AF7-2D38-7578288749F0}"/>
+            </a:ext>
+          </a:extLst>
+        </p:cNvPr>
+        <p:cNvGrpSpPr/>
+        <p:nvPr/>
+      </p:nvGrpSpPr>
+      <p:grpSpPr>
+        <a:xfrm>
+          <a:off x="0" y="0"/>
+          <a:ext cx="0" cy="0"/>
+          <a:chOff x="0" y="0"/>
+          <a:chExt cx="0" cy="0"/>
+        </a:xfrm>
+      </p:grpSpPr>
+      <p:sp>
+        <p:nvSpPr>
+          <p:cNvPr id="5" name="標題 4">
+            <a:extLst>
+              <a:ext uri="{FF2B5EF4-FFF2-40B4-BE49-F238E27FC236}">
+                <a16:creationId xmlns:a16="http://schemas.microsoft.com/office/drawing/2014/main" id="{77A2F91E-BDA0-6056-1B22-CC52A8497C99}"/>
+              </a:ext>
+            </a:extLst>
+          </p:cNvPr>
+          <p:cNvSpPr>
+            <a:spLocks noGrp="1"/>
+          </p:cNvSpPr>
+          <p:nvPr>
+            <p:ph type="title"/>
+          </p:nvPr>
+        </p:nvSpPr>
+        <p:spPr/>
+        <p:txBody>
+          <a:bodyPr/>
+          <a:lstStyle/>
+          <a:p>
+            <a:r>
+              <a:rPr lang="en-US" altLang="zh-TW" dirty="0">
+                <a:solidFill>
+                  <a:schemeClr val="bg1"/>
+                </a:solidFill>
+                <a:highlight>
+                  <a:srgbClr val="CC9900"/>
+                </a:highlight>
+              </a:rPr>
+              <a:t>7.</a:t>
+            </a:r>
+            <a:r>
+              <a:rPr lang="zh-TW" altLang="en-US" dirty="0">
+                <a:solidFill>
+                  <a:schemeClr val="bg1"/>
+                </a:solidFill>
+                <a:highlight>
+                  <a:srgbClr val="CC9900"/>
+                </a:highlight>
+              </a:rPr>
+              <a:t> 結局</a:t>
+            </a:r>
+          </a:p>
+        </p:txBody>
+      </p:sp>
+    </p:spTree>
+    <p:extLst>
+      <p:ext uri="{BB962C8B-B14F-4D97-AF65-F5344CB8AC3E}">
+        <p14:creationId xmlns:p14="http://schemas.microsoft.com/office/powerpoint/2010/main" val="3013964128"/>
       </p:ext>
     </p:extLst>
   </p:cSld>
@@ -3677,4 +5499,299 @@
     </a:ext>
   </a:extLst>
 </a:theme>
+</file>
+
+<file path=ppt/theme/theme2.xml><?xml version="1.0" encoding="utf-8"?>
+<a:theme xmlns:a="http://schemas.openxmlformats.org/drawingml/2006/main" name="Office 佈景主題">
+  <a:themeElements>
+    <a:clrScheme name="Office">
+      <a:dk1>
+        <a:sysClr val="windowText" lastClr="000000"/>
+      </a:dk1>
+      <a:lt1>
+        <a:sysClr val="window" lastClr="FFFFFF"/>
+      </a:lt1>
+      <a:dk2>
+        <a:srgbClr val="44546A"/>
+      </a:dk2>
+      <a:lt2>
+        <a:srgbClr val="E7E6E6"/>
+      </a:lt2>
+      <a:accent1>
+        <a:srgbClr val="4472C4"/>
+      </a:accent1>
+      <a:accent2>
+        <a:srgbClr val="ED7D31"/>
+      </a:accent2>
+      <a:accent3>
+        <a:srgbClr val="A5A5A5"/>
+      </a:accent3>
+      <a:accent4>
+        <a:srgbClr val="FFC000"/>
+      </a:accent4>
+      <a:accent5>
+        <a:srgbClr val="5B9BD5"/>
+      </a:accent5>
+      <a:accent6>
+        <a:srgbClr val="70AD47"/>
+      </a:accent6>
+      <a:hlink>
+        <a:srgbClr val="0563C1"/>
+      </a:hlink>
+      <a:folHlink>
+        <a:srgbClr val="954F72"/>
+      </a:folHlink>
+    </a:clrScheme>
+    <a:fontScheme name="Office">
+      <a:majorFont>
+        <a:latin typeface="Calibri Light" panose="020F0302020204030204"/>
+        <a:ea typeface=""/>
+        <a:cs typeface=""/>
+        <a:font script="Jpan" typeface="游ゴシック Light"/>
+        <a:font script="Hang" typeface="맑은 고딕"/>
+        <a:font script="Hans" typeface="等线 Light"/>
+        <a:font script="Hant" typeface="新細明體"/>
+        <a:font script="Arab" typeface="Times New Roman"/>
+        <a:font script="Hebr" typeface="Times New Roman"/>
+        <a:font script="Thai" typeface="Angsana New"/>
+        <a:font script="Ethi" typeface="Nyala"/>
+        <a:font script="Beng" typeface="Vrinda"/>
+        <a:font script="Gujr" typeface="Shruti"/>
+        <a:font script="Khmr" typeface="MoolBoran"/>
+        <a:font script="Knda" typeface="Tunga"/>
+        <a:font script="Guru" typeface="Raavi"/>
+        <a:font script="Cans" typeface="Euphemia"/>
+        <a:font script="Cher" typeface="Plantagenet Cherokee"/>
+        <a:font script="Yiii" typeface="Microsoft Yi Baiti"/>
+        <a:font script="Tibt" typeface="Microsoft Himalaya"/>
+        <a:font script="Thaa" typeface="MV Boli"/>
+        <a:font script="Deva" typeface="Mangal"/>
+        <a:font script="Telu" typeface="Gautami"/>
+        <a:font script="Taml" typeface="Latha"/>
+        <a:font script="Syrc" typeface="Estrangelo Edessa"/>
+        <a:font script="Orya" typeface="Kalinga"/>
+        <a:font script="Mlym" typeface="Kartika"/>
+        <a:font script="Laoo" typeface="DokChampa"/>
+        <a:font script="Sinh" typeface="Iskoola Pota"/>
+        <a:font script="Mong" typeface="Mongolian Baiti"/>
+        <a:font script="Viet" typeface="Times New Roman"/>
+        <a:font script="Uigh" typeface="Microsoft Uighur"/>
+        <a:font script="Geor" typeface="Sylfaen"/>
+        <a:font script="Armn" typeface="Arial"/>
+        <a:font script="Bugi" typeface="Leelawadee UI"/>
+        <a:font script="Bopo" typeface="Microsoft JhengHei"/>
+        <a:font script="Java" typeface="Javanese Text"/>
+        <a:font script="Lisu" typeface="Segoe UI"/>
+        <a:font script="Mymr" typeface="Myanmar Text"/>
+        <a:font script="Nkoo" typeface="Ebrima"/>
+        <a:font script="Olck" typeface="Nirmala UI"/>
+        <a:font script="Osma" typeface="Ebrima"/>
+        <a:font script="Phag" typeface="Phagspa"/>
+        <a:font script="Syrn" typeface="Estrangelo Edessa"/>
+        <a:font script="Syrj" typeface="Estrangelo Edessa"/>
+        <a:font script="Syre" typeface="Estrangelo Edessa"/>
+        <a:font script="Sora" typeface="Nirmala UI"/>
+        <a:font script="Tale" typeface="Microsoft Tai Le"/>
+        <a:font script="Talu" typeface="Microsoft New Tai Lue"/>
+        <a:font script="Tfng" typeface="Ebrima"/>
+      </a:majorFont>
+      <a:minorFont>
+        <a:latin typeface="Calibri" panose="020F0502020204030204"/>
+        <a:ea typeface=""/>
+        <a:cs typeface=""/>
+        <a:font script="Jpan" typeface="游ゴシック"/>
+        <a:font script="Hang" typeface="맑은 고딕"/>
+        <a:font script="Hans" typeface="等线"/>
+        <a:font script="Hant" typeface="新細明體"/>
+        <a:font script="Arab" typeface="Arial"/>
+        <a:font script="Hebr" typeface="Arial"/>
+        <a:font script="Thai" typeface="Cordia New"/>
+        <a:font script="Ethi" typeface="Nyala"/>
+        <a:font script="Beng" typeface="Vrinda"/>
+        <a:font script="Gujr" typeface="Shruti"/>
+        <a:font script="Khmr" typeface="DaunPenh"/>
+        <a:font script="Knda" typeface="Tunga"/>
+        <a:font script="Guru" typeface="Raavi"/>
+        <a:font script="Cans" typeface="Euphemia"/>
+        <a:font script="Cher" typeface="Plantagenet Cherokee"/>
+        <a:font script="Yiii" typeface="Microsoft Yi Baiti"/>
+        <a:font script="Tibt" typeface="Microsoft Himalaya"/>
+        <a:font script="Thaa" typeface="MV Boli"/>
+        <a:font script="Deva" typeface="Mangal"/>
+        <a:font script="Telu" typeface="Gautami"/>
+        <a:font script="Taml" typeface="Latha"/>
+        <a:font script="Syrc" typeface="Estrangelo Edessa"/>
+        <a:font script="Orya" typeface="Kalinga"/>
+        <a:font script="Mlym" typeface="Kartika"/>
+        <a:font script="Laoo" typeface="DokChampa"/>
+        <a:font script="Sinh" typeface="Iskoola Pota"/>
+        <a:font script="Mong" typeface="Mongolian Baiti"/>
+        <a:font script="Viet" typeface="Arial"/>
+        <a:font script="Uigh" typeface="Microsoft Uighur"/>
+        <a:font script="Geor" typeface="Sylfaen"/>
+        <a:font script="Armn" typeface="Arial"/>
+        <a:font script="Bugi" typeface="Leelawadee UI"/>
+        <a:font script="Bopo" typeface="Microsoft JhengHei"/>
+        <a:font script="Java" typeface="Javanese Text"/>
+        <a:font script="Lisu" typeface="Segoe UI"/>
+        <a:font script="Mymr" typeface="Myanmar Text"/>
+        <a:font script="Nkoo" typeface="Ebrima"/>
+        <a:font script="Olck" typeface="Nirmala UI"/>
+        <a:font script="Osma" typeface="Ebrima"/>
+        <a:font script="Phag" typeface="Phagspa"/>
+        <a:font script="Syrn" typeface="Estrangelo Edessa"/>
+        <a:font script="Syrj" typeface="Estrangelo Edessa"/>
+        <a:font script="Syre" typeface="Estrangelo Edessa"/>
+        <a:font script="Sora" typeface="Nirmala UI"/>
+        <a:font script="Tale" typeface="Microsoft Tai Le"/>
+        <a:font script="Talu" typeface="Microsoft New Tai Lue"/>
+        <a:font script="Tfng" typeface="Ebrima"/>
+      </a:minorFont>
+    </a:fontScheme>
+    <a:fmtScheme name="Office">
+      <a:fillStyleLst>
+        <a:solidFill>
+          <a:schemeClr val="phClr"/>
+        </a:solidFill>
+        <a:gradFill rotWithShape="1">
+          <a:gsLst>
+            <a:gs pos="0">
+              <a:schemeClr val="phClr">
+                <a:lumMod val="110000"/>
+                <a:satMod val="105000"/>
+                <a:tint val="67000"/>
+              </a:schemeClr>
+            </a:gs>
+            <a:gs pos="50000">
+              <a:schemeClr val="phClr">
+                <a:lumMod val="105000"/>
+                <a:satMod val="103000"/>
+                <a:tint val="73000"/>
+              </a:schemeClr>
+            </a:gs>
+            <a:gs pos="100000">
+              <a:schemeClr val="phClr">
+                <a:lumMod val="105000"/>
+                <a:satMod val="109000"/>
+                <a:tint val="81000"/>
+              </a:schemeClr>
+            </a:gs>
+          </a:gsLst>
+          <a:lin ang="5400000" scaled="0"/>
+        </a:gradFill>
+        <a:gradFill rotWithShape="1">
+          <a:gsLst>
+            <a:gs pos="0">
+              <a:schemeClr val="phClr">
+                <a:satMod val="103000"/>
+                <a:lumMod val="102000"/>
+                <a:tint val="94000"/>
+              </a:schemeClr>
+            </a:gs>
+            <a:gs pos="50000">
+              <a:schemeClr val="phClr">
+                <a:satMod val="110000"/>
+                <a:lumMod val="100000"/>
+                <a:shade val="100000"/>
+              </a:schemeClr>
+            </a:gs>
+            <a:gs pos="100000">
+              <a:schemeClr val="phClr">
+                <a:lumMod val="99000"/>
+                <a:satMod val="120000"/>
+                <a:shade val="78000"/>
+              </a:schemeClr>
+            </a:gs>
+          </a:gsLst>
+          <a:lin ang="5400000" scaled="0"/>
+        </a:gradFill>
+      </a:fillStyleLst>
+      <a:lnStyleLst>
+        <a:ln w="6350" cap="flat" cmpd="sng" algn="ctr">
+          <a:solidFill>
+            <a:schemeClr val="phClr"/>
+          </a:solidFill>
+          <a:prstDash val="solid"/>
+          <a:miter lim="800000"/>
+        </a:ln>
+        <a:ln w="12700" cap="flat" cmpd="sng" algn="ctr">
+          <a:solidFill>
+            <a:schemeClr val="phClr"/>
+          </a:solidFill>
+          <a:prstDash val="solid"/>
+          <a:miter lim="800000"/>
+        </a:ln>
+        <a:ln w="19050" cap="flat" cmpd="sng" algn="ctr">
+          <a:solidFill>
+            <a:schemeClr val="phClr"/>
+          </a:solidFill>
+          <a:prstDash val="solid"/>
+          <a:miter lim="800000"/>
+        </a:ln>
+      </a:lnStyleLst>
+      <a:effectStyleLst>
+        <a:effectStyle>
+          <a:effectLst/>
+        </a:effectStyle>
+        <a:effectStyle>
+          <a:effectLst/>
+        </a:effectStyle>
+        <a:effectStyle>
+          <a:effectLst>
+            <a:outerShdw blurRad="57150" dist="19050" dir="5400000" algn="ctr" rotWithShape="0">
+              <a:srgbClr val="000000">
+                <a:alpha val="63000"/>
+              </a:srgbClr>
+            </a:outerShdw>
+          </a:effectLst>
+        </a:effectStyle>
+      </a:effectStyleLst>
+      <a:bgFillStyleLst>
+        <a:solidFill>
+          <a:schemeClr val="phClr"/>
+        </a:solidFill>
+        <a:solidFill>
+          <a:schemeClr val="phClr">
+            <a:tint val="95000"/>
+            <a:satMod val="170000"/>
+          </a:schemeClr>
+        </a:solidFill>
+        <a:gradFill rotWithShape="1">
+          <a:gsLst>
+            <a:gs pos="0">
+              <a:schemeClr val="phClr">
+                <a:tint val="93000"/>
+                <a:satMod val="150000"/>
+                <a:shade val="98000"/>
+                <a:lumMod val="102000"/>
+              </a:schemeClr>
+            </a:gs>
+            <a:gs pos="50000">
+              <a:schemeClr val="phClr">
+                <a:tint val="98000"/>
+                <a:satMod val="130000"/>
+                <a:shade val="90000"/>
+                <a:lumMod val="103000"/>
+              </a:schemeClr>
+            </a:gs>
+            <a:gs pos="100000">
+              <a:schemeClr val="phClr">
+                <a:shade val="63000"/>
+                <a:satMod val="120000"/>
+              </a:schemeClr>
+            </a:gs>
+          </a:gsLst>
+          <a:lin ang="5400000" scaled="0"/>
+        </a:gradFill>
+      </a:bgFillStyleLst>
+    </a:fmtScheme>
+  </a:themeElements>
+  <a:objectDefaults/>
+  <a:extraClrSchemeLst/>
+  <a:extLst>
+    <a:ext uri="{05A4C25C-085E-4340-85A3-A5531E510DB2}">
+      <thm15:themeFamily xmlns:thm15="http://schemas.microsoft.com/office/thememl/2012/main" name="Office Theme" id="{62F939B6-93AF-4DB8-9C6B-D6C7DFDC589F}" vid="{4A3C46E8-61CC-4603-A589-7422A47A8E4A}"/>
+    </a:ext>
+  </a:extLst>
+</a:theme>
 </file>
--- a/hw03.pptx
+++ b/hw03.pptx
@@ -204,7 +204,7 @@
           <a:p>
             <a:fld id="{2D8A168E-6FC2-4ED6-85FF-385C80FFBCEA}" type="datetimeFigureOut">
               <a:rPr lang="zh-TW" altLang="en-US" smtClean="0"/>
-              <a:t>2024/10/24</a:t>
+              <a:t>2024/11/5</a:t>
             </a:fld>
             <a:endParaRPr lang="zh-TW" altLang="en-US"/>
           </a:p>
@@ -1371,7 +1371,7 @@
           <a:p>
             <a:fld id="{F0F22117-FC0C-4609-B28F-97217F98EFDA}" type="datetimeFigureOut">
               <a:rPr lang="zh-TW" altLang="en-US" smtClean="0"/>
-              <a:t>2024/10/24</a:t>
+              <a:t>2024/11/5</a:t>
             </a:fld>
             <a:endParaRPr lang="zh-TW" altLang="en-US"/>
           </a:p>
@@ -1569,7 +1569,7 @@
           <a:p>
             <a:fld id="{F0F22117-FC0C-4609-B28F-97217F98EFDA}" type="datetimeFigureOut">
               <a:rPr lang="zh-TW" altLang="en-US" smtClean="0"/>
-              <a:t>2024/10/24</a:t>
+              <a:t>2024/11/5</a:t>
             </a:fld>
             <a:endParaRPr lang="zh-TW" altLang="en-US"/>
           </a:p>
@@ -1777,7 +1777,7 @@
           <a:p>
             <a:fld id="{F0F22117-FC0C-4609-B28F-97217F98EFDA}" type="datetimeFigureOut">
               <a:rPr lang="zh-TW" altLang="en-US" smtClean="0"/>
-              <a:t>2024/10/24</a:t>
+              <a:t>2024/11/5</a:t>
             </a:fld>
             <a:endParaRPr lang="zh-TW" altLang="en-US"/>
           </a:p>
@@ -1975,7 +1975,7 @@
           <a:p>
             <a:fld id="{F0F22117-FC0C-4609-B28F-97217F98EFDA}" type="datetimeFigureOut">
               <a:rPr lang="zh-TW" altLang="en-US" smtClean="0"/>
-              <a:t>2024/10/24</a:t>
+              <a:t>2024/11/5</a:t>
             </a:fld>
             <a:endParaRPr lang="zh-TW" altLang="en-US"/>
           </a:p>
@@ -2250,7 +2250,7 @@
           <a:p>
             <a:fld id="{F0F22117-FC0C-4609-B28F-97217F98EFDA}" type="datetimeFigureOut">
               <a:rPr lang="zh-TW" altLang="en-US" smtClean="0"/>
-              <a:t>2024/10/24</a:t>
+              <a:t>2024/11/5</a:t>
             </a:fld>
             <a:endParaRPr lang="zh-TW" altLang="en-US"/>
           </a:p>
@@ -2515,7 +2515,7 @@
           <a:p>
             <a:fld id="{F0F22117-FC0C-4609-B28F-97217F98EFDA}" type="datetimeFigureOut">
               <a:rPr lang="zh-TW" altLang="en-US" smtClean="0"/>
-              <a:t>2024/10/24</a:t>
+              <a:t>2024/11/5</a:t>
             </a:fld>
             <a:endParaRPr lang="zh-TW" altLang="en-US"/>
           </a:p>
@@ -2927,7 +2927,7 @@
           <a:p>
             <a:fld id="{F0F22117-FC0C-4609-B28F-97217F98EFDA}" type="datetimeFigureOut">
               <a:rPr lang="zh-TW" altLang="en-US" smtClean="0"/>
-              <a:t>2024/10/24</a:t>
+              <a:t>2024/11/5</a:t>
             </a:fld>
             <a:endParaRPr lang="zh-TW" altLang="en-US"/>
           </a:p>
@@ -3068,7 +3068,7 @@
           <a:p>
             <a:fld id="{F0F22117-FC0C-4609-B28F-97217F98EFDA}" type="datetimeFigureOut">
               <a:rPr lang="zh-TW" altLang="en-US" smtClean="0"/>
-              <a:t>2024/10/24</a:t>
+              <a:t>2024/11/5</a:t>
             </a:fld>
             <a:endParaRPr lang="zh-TW" altLang="en-US"/>
           </a:p>
@@ -3181,7 +3181,7 @@
           <a:p>
             <a:fld id="{F0F22117-FC0C-4609-B28F-97217F98EFDA}" type="datetimeFigureOut">
               <a:rPr lang="zh-TW" altLang="en-US" smtClean="0"/>
-              <a:t>2024/10/24</a:t>
+              <a:t>2024/11/5</a:t>
             </a:fld>
             <a:endParaRPr lang="zh-TW" altLang="en-US"/>
           </a:p>
@@ -3492,7 +3492,7 @@
           <a:p>
             <a:fld id="{F0F22117-FC0C-4609-B28F-97217F98EFDA}" type="datetimeFigureOut">
               <a:rPr lang="zh-TW" altLang="en-US" smtClean="0"/>
-              <a:t>2024/10/24</a:t>
+              <a:t>2024/11/5</a:t>
             </a:fld>
             <a:endParaRPr lang="zh-TW" altLang="en-US"/>
           </a:p>
@@ -3780,7 +3780,7 @@
           <a:p>
             <a:fld id="{F0F22117-FC0C-4609-B28F-97217F98EFDA}" type="datetimeFigureOut">
               <a:rPr lang="zh-TW" altLang="en-US" smtClean="0"/>
-              <a:t>2024/10/24</a:t>
+              <a:t>2024/11/5</a:t>
             </a:fld>
             <a:endParaRPr lang="zh-TW" altLang="en-US"/>
           </a:p>
@@ -4026,7 +4026,7 @@
           <a:p>
             <a:fld id="{F0F22117-FC0C-4609-B28F-97217F98EFDA}" type="datetimeFigureOut">
               <a:rPr lang="zh-TW" altLang="en-US" smtClean="0"/>
-              <a:t>2024/10/24</a:t>
+              <a:t>2024/11/5</a:t>
             </a:fld>
             <a:endParaRPr lang="zh-TW" altLang="en-US"/>
           </a:p>
@@ -4501,15 +4501,7 @@
                   <a:schemeClr val="bg1"/>
                 </a:solidFill>
               </a:rPr>
-              <a:t>nizima</a:t>
-            </a:r>
-            <a:r>
-              <a:rPr lang="zh-TW" altLang="en-US" sz="4000" dirty="0">
-                <a:solidFill>
-                  <a:schemeClr val="bg1"/>
-                </a:solidFill>
-              </a:rPr>
-              <a:t> </a:t>
+              <a:t>Animaze</a:t>
             </a:r>
             <a:r>
               <a:rPr lang="en-US" altLang="zh-TW" sz="4000" dirty="0">
@@ -4517,7 +4509,7 @@
                   <a:schemeClr val="bg1"/>
                 </a:solidFill>
               </a:rPr>
-              <a:t>Live)</a:t>
+              <a:t>)</a:t>
             </a:r>
             <a:endParaRPr lang="zh-TW" altLang="en-US" sz="4000" dirty="0">
               <a:solidFill>
